--- a/Documentation/FollowUp event flow.pptx
+++ b/Documentation/FollowUp event flow.pptx
@@ -5,7 +5,9 @@
     <p:sldMasterId id="2147483648" r:id="rId1"/>
   </p:sldMasterIdLst>
   <p:sldIdLst>
-    <p:sldId id="256" r:id="rId2"/>
+    <p:sldId id="259" r:id="rId2"/>
+    <p:sldId id="256" r:id="rId3"/>
+    <p:sldId id="257" r:id="rId4"/>
   </p:sldIdLst>
   <p:sldSz cx="12192000" cy="6858000"/>
   <p:notesSz cx="6858000" cy="9144000"/>
@@ -115,38 +117,9 @@
 <file path=ppt/revisionInfo.xml><?xml version="1.0" encoding="utf-8"?>
 <p1510:revInfo xmlns:a="http://schemas.openxmlformats.org/drawingml/2006/main" xmlns:r="http://schemas.openxmlformats.org/officeDocument/2006/relationships" xmlns:p1510="http://schemas.microsoft.com/office/powerpoint/2015/10/main">
   <p1510:revLst>
-    <p1510:client id="{4738F111-FCCE-4556-8805-86475DB7649C}" v="1" dt="2025-02-26T08:21:46.761"/>
+    <p1510:client id="{25446657-5A61-9588-6589-768BA79331ED}" v="5" dt="2025-04-30T08:50:44.609"/>
   </p1510:revLst>
 </p1510:revInfo>
-</file>
-
-<file path=ppt/changesInfos/changesInfo1.xml><?xml version="1.0" encoding="utf-8"?>
-<pc:chgInfo xmlns:a="http://schemas.openxmlformats.org/drawingml/2006/main" xmlns:r="http://schemas.openxmlformats.org/officeDocument/2006/relationships" xmlns:ac="http://schemas.microsoft.com/office/drawing/2013/main/command" xmlns:pc="http://schemas.microsoft.com/office/powerpoint/2013/main/command">
-  <pc:docChgLst>
-    <pc:chgData name="Jake Vosloo" userId="7cc6e0f2-794b-4094-9459-62522cdab7e6" providerId="ADAL" clId="{4738F111-FCCE-4556-8805-86475DB7649C}"/>
-    <pc:docChg chg="modSld">
-      <pc:chgData name="Jake Vosloo" userId="7cc6e0f2-794b-4094-9459-62522cdab7e6" providerId="ADAL" clId="{4738F111-FCCE-4556-8805-86475DB7649C}" dt="2025-02-26T08:21:46.762" v="0" actId="20577"/>
-      <pc:docMkLst>
-        <pc:docMk/>
-      </pc:docMkLst>
-      <pc:sldChg chg="modSp mod">
-        <pc:chgData name="Jake Vosloo" userId="7cc6e0f2-794b-4094-9459-62522cdab7e6" providerId="ADAL" clId="{4738F111-FCCE-4556-8805-86475DB7649C}" dt="2025-02-26T08:21:46.762" v="0" actId="20577"/>
-        <pc:sldMkLst>
-          <pc:docMk/>
-          <pc:sldMk cId="315739175" sldId="256"/>
-        </pc:sldMkLst>
-        <pc:spChg chg="mod">
-          <ac:chgData name="Jake Vosloo" userId="7cc6e0f2-794b-4094-9459-62522cdab7e6" providerId="ADAL" clId="{4738F111-FCCE-4556-8805-86475DB7649C}" dt="2025-02-26T08:21:46.762" v="0" actId="20577"/>
-          <ac:spMkLst>
-            <pc:docMk/>
-            <pc:sldMk cId="315739175" sldId="256"/>
-            <ac:spMk id="4" creationId="{D2A27156-A7EB-86E9-4E98-649A25D6943C}"/>
-          </ac:spMkLst>
-        </pc:spChg>
-      </pc:sldChg>
-    </pc:docChg>
-  </pc:docChgLst>
-</pc:chgInfo>
 </file>
 
 <file path=ppt/slideLayouts/slideLayout1.xml><?xml version="1.0" encoding="utf-8"?>
@@ -298,7 +271,7 @@
           <a:p>
             <a:fld id="{BB157419-990A-4C7F-97F8-64C9C24BD6CA}" type="datetimeFigureOut">
               <a:rPr lang="en-AU" smtClean="0"/>
-              <a:t>26/02/2025</a:t>
+              <a:t>30/04/2025</a:t>
             </a:fld>
             <a:endParaRPr lang="en-AU"/>
           </a:p>
@@ -498,7 +471,7 @@
           <a:p>
             <a:fld id="{BB157419-990A-4C7F-97F8-64C9C24BD6CA}" type="datetimeFigureOut">
               <a:rPr lang="en-AU" smtClean="0"/>
-              <a:t>26/02/2025</a:t>
+              <a:t>30/04/2025</a:t>
             </a:fld>
             <a:endParaRPr lang="en-AU"/>
           </a:p>
@@ -708,7 +681,7 @@
           <a:p>
             <a:fld id="{BB157419-990A-4C7F-97F8-64C9C24BD6CA}" type="datetimeFigureOut">
               <a:rPr lang="en-AU" smtClean="0"/>
-              <a:t>26/02/2025</a:t>
+              <a:t>30/04/2025</a:t>
             </a:fld>
             <a:endParaRPr lang="en-AU"/>
           </a:p>
@@ -908,7 +881,7 @@
           <a:p>
             <a:fld id="{BB157419-990A-4C7F-97F8-64C9C24BD6CA}" type="datetimeFigureOut">
               <a:rPr lang="en-AU" smtClean="0"/>
-              <a:t>26/02/2025</a:t>
+              <a:t>30/04/2025</a:t>
             </a:fld>
             <a:endParaRPr lang="en-AU"/>
           </a:p>
@@ -1184,7 +1157,7 @@
           <a:p>
             <a:fld id="{BB157419-990A-4C7F-97F8-64C9C24BD6CA}" type="datetimeFigureOut">
               <a:rPr lang="en-AU" smtClean="0"/>
-              <a:t>26/02/2025</a:t>
+              <a:t>30/04/2025</a:t>
             </a:fld>
             <a:endParaRPr lang="en-AU"/>
           </a:p>
@@ -1452,7 +1425,7 @@
           <a:p>
             <a:fld id="{BB157419-990A-4C7F-97F8-64C9C24BD6CA}" type="datetimeFigureOut">
               <a:rPr lang="en-AU" smtClean="0"/>
-              <a:t>26/02/2025</a:t>
+              <a:t>30/04/2025</a:t>
             </a:fld>
             <a:endParaRPr lang="en-AU"/>
           </a:p>
@@ -1867,7 +1840,7 @@
           <a:p>
             <a:fld id="{BB157419-990A-4C7F-97F8-64C9C24BD6CA}" type="datetimeFigureOut">
               <a:rPr lang="en-AU" smtClean="0"/>
-              <a:t>26/02/2025</a:t>
+              <a:t>30/04/2025</a:t>
             </a:fld>
             <a:endParaRPr lang="en-AU"/>
           </a:p>
@@ -2009,7 +1982,7 @@
           <a:p>
             <a:fld id="{BB157419-990A-4C7F-97F8-64C9C24BD6CA}" type="datetimeFigureOut">
               <a:rPr lang="en-AU" smtClean="0"/>
-              <a:t>26/02/2025</a:t>
+              <a:t>30/04/2025</a:t>
             </a:fld>
             <a:endParaRPr lang="en-AU"/>
           </a:p>
@@ -2122,7 +2095,7 @@
           <a:p>
             <a:fld id="{BB157419-990A-4C7F-97F8-64C9C24BD6CA}" type="datetimeFigureOut">
               <a:rPr lang="en-AU" smtClean="0"/>
-              <a:t>26/02/2025</a:t>
+              <a:t>30/04/2025</a:t>
             </a:fld>
             <a:endParaRPr lang="en-AU"/>
           </a:p>
@@ -2435,7 +2408,7 @@
           <a:p>
             <a:fld id="{BB157419-990A-4C7F-97F8-64C9C24BD6CA}" type="datetimeFigureOut">
               <a:rPr lang="en-AU" smtClean="0"/>
-              <a:t>26/02/2025</a:t>
+              <a:t>30/04/2025</a:t>
             </a:fld>
             <a:endParaRPr lang="en-AU"/>
           </a:p>
@@ -2724,7 +2697,7 @@
           <a:p>
             <a:fld id="{BB157419-990A-4C7F-97F8-64C9C24BD6CA}" type="datetimeFigureOut">
               <a:rPr lang="en-AU" smtClean="0"/>
-              <a:t>26/02/2025</a:t>
+              <a:t>30/04/2025</a:t>
             </a:fld>
             <a:endParaRPr lang="en-AU"/>
           </a:p>
@@ -2967,7 +2940,7 @@
           <a:p>
             <a:fld id="{BB157419-990A-4C7F-97F8-64C9C24BD6CA}" type="datetimeFigureOut">
               <a:rPr lang="en-AU" smtClean="0"/>
-              <a:t>26/02/2025</a:t>
+              <a:t>30/04/2025</a:t>
             </a:fld>
             <a:endParaRPr lang="en-AU"/>
           </a:p>
@@ -3372,7 +3345,13 @@
   <p:cSld>
     <p:spTree>
       <p:nvGrpSpPr>
-        <p:cNvPr id="1" name=""/>
+        <p:cNvPr id="1" name="">
+          <a:extLst>
+            <a:ext uri="{FF2B5EF4-FFF2-40B4-BE49-F238E27FC236}">
+              <a16:creationId xmlns:a16="http://schemas.microsoft.com/office/drawing/2014/main" id="{441B71ED-0142-F457-EFB3-B61D5805830C}"/>
+            </a:ext>
+          </a:extLst>
+        </p:cNvPr>
         <p:cNvGrpSpPr/>
         <p:nvPr/>
       </p:nvGrpSpPr>
@@ -3389,7 +3368,7 @@
           <p:cNvPr id="4" name="Title 3">
             <a:extLst>
               <a:ext uri="{FF2B5EF4-FFF2-40B4-BE49-F238E27FC236}">
-                <a16:creationId xmlns:a16="http://schemas.microsoft.com/office/drawing/2014/main" id="{D2A27156-A7EB-86E9-4E98-649A25D6943C}"/>
+                <a16:creationId xmlns:a16="http://schemas.microsoft.com/office/drawing/2014/main" id="{80EF3E7E-D42D-A991-9410-959AED18F8B8}"/>
               </a:ext>
             </a:extLst>
           </p:cNvPr>
@@ -3403,7 +3382,7 @@
         <p:spPr>
           <a:xfrm>
             <a:off x="62395" y="0"/>
-            <a:ext cx="4676717" cy="642627"/>
+            <a:ext cx="5745330" cy="642627"/>
           </a:xfrm>
         </p:spPr>
         <p:txBody>
@@ -3413,18 +3392,22 @@
           <a:lstStyle/>
           <a:p>
             <a:r>
+              <a:rPr lang="en-AU" err="1"/>
+              <a:t>EventSourcing</a:t>
+            </a:r>
+            <a:r>
               <a:rPr lang="en-AU"/>
-              <a:t>Follow-Up event flow</a:t>
-            </a:r>
-          </a:p>
-        </p:txBody>
-      </p:sp>
-      <p:sp>
-        <p:nvSpPr>
-          <p:cNvPr id="6" name="TextBox 5">
-            <a:extLst>
-              <a:ext uri="{FF2B5EF4-FFF2-40B4-BE49-F238E27FC236}">
-                <a16:creationId xmlns:a16="http://schemas.microsoft.com/office/drawing/2014/main" id="{C5A15DBC-4437-1307-FAFB-19BC96176FE1}"/>
+              <a:t> Pattern</a:t>
+            </a:r>
+          </a:p>
+        </p:txBody>
+      </p:sp>
+      <p:sp>
+        <p:nvSpPr>
+          <p:cNvPr id="8" name="TextBox 7">
+            <a:extLst>
+              <a:ext uri="{FF2B5EF4-FFF2-40B4-BE49-F238E27FC236}">
+                <a16:creationId xmlns:a16="http://schemas.microsoft.com/office/drawing/2014/main" id="{5599EDE1-8C25-A2C8-AB1C-AC5B973720FD}"/>
               </a:ext>
             </a:extLst>
           </p:cNvPr>
@@ -3433,8 +3416,8 @@
         </p:nvSpPr>
         <p:spPr>
           <a:xfrm>
-            <a:off x="4717028" y="533260"/>
-            <a:ext cx="1800000" cy="646331"/>
+            <a:off x="9345990" y="3968846"/>
+            <a:ext cx="1800000" cy="307777"/>
           </a:xfrm>
           <a:prstGeom prst="rect">
             <a:avLst/>
@@ -3469,23 +3452,23 @@
           <a:lstStyle/>
           <a:p>
             <a:r>
-              <a:rPr lang="en-US" err="1"/>
-              <a:t>followUpFilter</a:t>
-            </a:r>
-            <a:r>
-              <a:rPr lang="en-US"/>
-              <a:t> Table</a:t>
-            </a:r>
-            <a:endParaRPr lang="en-AU"/>
-          </a:p>
-        </p:txBody>
-      </p:sp>
-      <p:sp>
-        <p:nvSpPr>
-          <p:cNvPr id="8" name="TextBox 7">
-            <a:extLst>
-              <a:ext uri="{FF2B5EF4-FFF2-40B4-BE49-F238E27FC236}">
-                <a16:creationId xmlns:a16="http://schemas.microsoft.com/office/drawing/2014/main" id="{A0B20A04-0D9D-449B-1A3E-6392099B7794}"/>
+              <a:rPr lang="en-US" sz="1400" err="1"/>
+              <a:t>InsertXXX</a:t>
+            </a:r>
+            <a:r>
+              <a:rPr lang="en-US" sz="1400"/>
+              <a:t> SQL</a:t>
+            </a:r>
+            <a:endParaRPr lang="en-AU" sz="1400"/>
+          </a:p>
+        </p:txBody>
+      </p:sp>
+      <p:sp>
+        <p:nvSpPr>
+          <p:cNvPr id="14" name="TextBox 13">
+            <a:extLst>
+              <a:ext uri="{FF2B5EF4-FFF2-40B4-BE49-F238E27FC236}">
+                <a16:creationId xmlns:a16="http://schemas.microsoft.com/office/drawing/2014/main" id="{B019DFEE-C754-7AE5-0E25-BEB35E917123}"/>
               </a:ext>
             </a:extLst>
           </p:cNvPr>
@@ -3494,8 +3477,8 @@
         </p:nvSpPr>
         <p:spPr>
           <a:xfrm>
-            <a:off x="1440165" y="5683686"/>
-            <a:ext cx="1800000" cy="646331"/>
+            <a:off x="9283843" y="5182007"/>
+            <a:ext cx="2256288" cy="307777"/>
           </a:xfrm>
           <a:prstGeom prst="rect">
             <a:avLst/>
@@ -3530,26 +3513,69 @@
           <a:lstStyle/>
           <a:p>
             <a:r>
-              <a:rPr lang="en-US" err="1"/>
-              <a:t>followUpShare</a:t>
-            </a:r>
-            <a:endParaRPr lang="en-US"/>
-          </a:p>
-          <a:p>
-            <a:r>
-              <a:rPr lang="en-US"/>
-              <a:t>Table</a:t>
-            </a:r>
-            <a:endParaRPr lang="en-AU"/>
-          </a:p>
-        </p:txBody>
-      </p:sp>
-      <p:sp>
-        <p:nvSpPr>
-          <p:cNvPr id="10" name="TextBox 9">
-            <a:extLst>
-              <a:ext uri="{FF2B5EF4-FFF2-40B4-BE49-F238E27FC236}">
-                <a16:creationId xmlns:a16="http://schemas.microsoft.com/office/drawing/2014/main" id="{7E94C185-4BB3-A354-BC6F-AB2C05D9BD72}"/>
+              <a:rPr lang="en-US" sz="1400"/>
+              <a:t>insert </a:t>
+            </a:r>
+            <a:r>
+              <a:rPr lang="en-US" sz="1400" err="1"/>
+              <a:t>VerbXXXEvent</a:t>
+            </a:r>
+            <a:r>
+              <a:rPr lang="en-US" sz="1400"/>
+              <a:t> SQL</a:t>
+            </a:r>
+          </a:p>
+        </p:txBody>
+      </p:sp>
+      <p:cxnSp>
+        <p:nvCxnSpPr>
+          <p:cNvPr id="30" name="Straight Arrow Connector 29">
+            <a:extLst>
+              <a:ext uri="{FF2B5EF4-FFF2-40B4-BE49-F238E27FC236}">
+                <a16:creationId xmlns:a16="http://schemas.microsoft.com/office/drawing/2014/main" id="{C44AAD81-6972-44D2-14FF-DBF1B3B45560}"/>
+              </a:ext>
+            </a:extLst>
+          </p:cNvPr>
+          <p:cNvCxnSpPr>
+            <a:cxnSpLocks/>
+            <a:stCxn id="91" idx="2"/>
+            <a:endCxn id="14" idx="1"/>
+          </p:cNvCxnSpPr>
+          <p:nvPr/>
+        </p:nvCxnSpPr>
+        <p:spPr>
+          <a:xfrm>
+            <a:off x="7395871" y="5079891"/>
+            <a:ext cx="1887972" cy="256005"/>
+          </a:xfrm>
+          <a:prstGeom prst="straightConnector1">
+            <a:avLst/>
+          </a:prstGeom>
+          <a:ln>
+            <a:tailEnd type="triangle"/>
+          </a:ln>
+        </p:spPr>
+        <p:style>
+          <a:lnRef idx="2">
+            <a:schemeClr val="accent1"/>
+          </a:lnRef>
+          <a:fillRef idx="0">
+            <a:schemeClr val="accent1"/>
+          </a:fillRef>
+          <a:effectRef idx="1">
+            <a:schemeClr val="accent1"/>
+          </a:effectRef>
+          <a:fontRef idx="minor">
+            <a:schemeClr val="tx1"/>
+          </a:fontRef>
+        </p:style>
+      </p:cxnSp>
+      <p:sp>
+        <p:nvSpPr>
+          <p:cNvPr id="42" name="TextBox 41">
+            <a:extLst>
+              <a:ext uri="{FF2B5EF4-FFF2-40B4-BE49-F238E27FC236}">
+                <a16:creationId xmlns:a16="http://schemas.microsoft.com/office/drawing/2014/main" id="{10046E26-CE71-9204-4258-330A09441A39}"/>
               </a:ext>
             </a:extLst>
           </p:cNvPr>
@@ -3558,14 +3584,462 @@
         </p:nvSpPr>
         <p:spPr>
           <a:xfrm>
-            <a:off x="696141" y="3345750"/>
-            <a:ext cx="1800000" cy="646331"/>
+            <a:off x="23061" y="2727065"/>
+            <a:ext cx="5142902" cy="2677656"/>
           </a:xfrm>
           <a:prstGeom prst="rect">
             <a:avLst/>
           </a:prstGeom>
+          <a:noFill/>
+        </p:spPr>
+        <p:txBody>
+          <a:bodyPr wrap="square">
+            <a:spAutoFit/>
+          </a:bodyPr>
+          <a:lstStyle/>
+          <a:p>
+            <a:r>
+              <a:rPr lang="en-AU" sz="1400"/>
+              <a:t>The Event sourcing pattern follows:</a:t>
+            </a:r>
+          </a:p>
+          <a:p>
+            <a:r>
+              <a:rPr lang="en-AU" sz="1400"/>
+              <a:t>The app has a UI where the user can  create a COMMAND on the server and immediately return to the user.</a:t>
+            </a:r>
+          </a:p>
+          <a:p>
+            <a:endParaRPr lang="en-AU" sz="1400"/>
+          </a:p>
+          <a:p>
+            <a:r>
+              <a:rPr lang="en-AU" sz="1400"/>
+              <a:t>The server reads the command off a queue and then execute the command(DOSTUFF) and then record an EVENT that the command is complete.</a:t>
+            </a:r>
+          </a:p>
+          <a:p>
+            <a:endParaRPr lang="en-AU" sz="1400"/>
+          </a:p>
+          <a:p>
+            <a:endParaRPr lang="en-AU" sz="1400"/>
+          </a:p>
+          <a:p>
+            <a:r>
+              <a:rPr lang="en-AU" sz="1400"/>
+              <a:t>The EVENT is written to a queue that the app can listen to, to notify the user that the command has been completed successfully or with an error.</a:t>
+            </a:r>
+          </a:p>
+        </p:txBody>
+      </p:sp>
+      <p:sp>
+        <p:nvSpPr>
+          <p:cNvPr id="52" name="TextBox 51">
+            <a:extLst>
+              <a:ext uri="{FF2B5EF4-FFF2-40B4-BE49-F238E27FC236}">
+                <a16:creationId xmlns:a16="http://schemas.microsoft.com/office/drawing/2014/main" id="{5F651226-DBA5-8510-FAC2-0B50AB26E838}"/>
+              </a:ext>
+            </a:extLst>
+          </p:cNvPr>
+          <p:cNvSpPr txBox="1"/>
+          <p:nvPr/>
+        </p:nvSpPr>
+        <p:spPr>
+          <a:xfrm>
+            <a:off x="8255850" y="394195"/>
+            <a:ext cx="1194992" cy="307777"/>
+          </a:xfrm>
+          <a:prstGeom prst="rect">
+            <a:avLst/>
+          </a:prstGeom>
+          <a:noFill/>
+        </p:spPr>
+        <p:txBody>
+          <a:bodyPr wrap="square">
+            <a:spAutoFit/>
+          </a:bodyPr>
+          <a:lstStyle/>
+          <a:p>
+            <a:r>
+              <a:rPr lang="en-US" sz="1400"/>
+              <a:t>Async</a:t>
+            </a:r>
+          </a:p>
+        </p:txBody>
+      </p:sp>
+      <p:sp>
+        <p:nvSpPr>
+          <p:cNvPr id="19" name="TextBox 18">
+            <a:extLst>
+              <a:ext uri="{FF2B5EF4-FFF2-40B4-BE49-F238E27FC236}">
+                <a16:creationId xmlns:a16="http://schemas.microsoft.com/office/drawing/2014/main" id="{16F2ADEE-421D-B167-AB34-418B89E03072}"/>
+              </a:ext>
+            </a:extLst>
+          </p:cNvPr>
+          <p:cNvSpPr txBox="1"/>
+          <p:nvPr/>
+        </p:nvSpPr>
+        <p:spPr>
+          <a:xfrm>
+            <a:off x="6267727" y="3320038"/>
+            <a:ext cx="1800000" cy="523220"/>
+          </a:xfrm>
+          <a:prstGeom prst="rect">
+            <a:avLst/>
+          </a:prstGeom>
+        </p:spPr>
+        <p:style>
+          <a:lnRef idx="3">
+            <a:schemeClr val="lt1"/>
+          </a:lnRef>
+          <a:fillRef idx="1">
+            <a:schemeClr val="accent4"/>
+          </a:fillRef>
+          <a:effectRef idx="1">
+            <a:schemeClr val="accent4"/>
+          </a:effectRef>
+          <a:fontRef idx="minor">
+            <a:schemeClr val="lt1"/>
+          </a:fontRef>
+        </p:style>
+        <p:txBody>
+          <a:bodyPr wrap="square">
+            <a:spAutoFit/>
+          </a:bodyPr>
+          <a:lstStyle/>
+          <a:p>
+            <a:r>
+              <a:rPr lang="en-US" sz="1400" err="1"/>
+              <a:t>VerbXXX</a:t>
+            </a:r>
+            <a:endParaRPr lang="en-US" sz="1400"/>
+          </a:p>
+          <a:p>
+            <a:r>
+              <a:rPr lang="en-US" sz="1400"/>
+              <a:t>function</a:t>
+            </a:r>
+          </a:p>
+        </p:txBody>
+      </p:sp>
+      <p:cxnSp>
+        <p:nvCxnSpPr>
+          <p:cNvPr id="22" name="Straight Arrow Connector 21">
+            <a:extLst>
+              <a:ext uri="{FF2B5EF4-FFF2-40B4-BE49-F238E27FC236}">
+                <a16:creationId xmlns:a16="http://schemas.microsoft.com/office/drawing/2014/main" id="{425730E5-87A4-CF88-1965-B503B4F0582D}"/>
+              </a:ext>
+            </a:extLst>
+          </p:cNvPr>
+          <p:cNvCxnSpPr>
+            <a:cxnSpLocks/>
+            <a:stCxn id="19" idx="2"/>
+            <a:endCxn id="8" idx="1"/>
+          </p:cNvCxnSpPr>
+          <p:nvPr/>
+        </p:nvCxnSpPr>
+        <p:spPr>
+          <a:xfrm>
+            <a:off x="7167727" y="3843258"/>
+            <a:ext cx="2178263" cy="279477"/>
+          </a:xfrm>
+          <a:prstGeom prst="straightConnector1">
+            <a:avLst/>
+          </a:prstGeom>
+          <a:ln>
+            <a:tailEnd type="triangle"/>
+          </a:ln>
+        </p:spPr>
+        <p:style>
+          <a:lnRef idx="2">
+            <a:schemeClr val="accent1"/>
+          </a:lnRef>
+          <a:fillRef idx="0">
+            <a:schemeClr val="accent1"/>
+          </a:fillRef>
+          <a:effectRef idx="1">
+            <a:schemeClr val="accent1"/>
+          </a:effectRef>
+          <a:fontRef idx="minor">
+            <a:schemeClr val="tx1"/>
+          </a:fontRef>
+        </p:style>
+      </p:cxnSp>
+      <p:sp>
+        <p:nvSpPr>
+          <p:cNvPr id="91" name="TextBox 90">
+            <a:extLst>
+              <a:ext uri="{FF2B5EF4-FFF2-40B4-BE49-F238E27FC236}">
+                <a16:creationId xmlns:a16="http://schemas.microsoft.com/office/drawing/2014/main" id="{27BCAC15-BB1A-9C26-F59E-AF1908FCD10F}"/>
+              </a:ext>
+            </a:extLst>
+          </p:cNvPr>
+          <p:cNvSpPr txBox="1"/>
+          <p:nvPr/>
+        </p:nvSpPr>
+        <p:spPr>
+          <a:xfrm>
+            <a:off x="6267727" y="4556671"/>
+            <a:ext cx="2256288" cy="523220"/>
+          </a:xfrm>
+          <a:prstGeom prst="rect">
+            <a:avLst/>
+          </a:prstGeom>
+        </p:spPr>
+        <p:style>
+          <a:lnRef idx="3">
+            <a:schemeClr val="lt1"/>
+          </a:lnRef>
+          <a:fillRef idx="1">
+            <a:schemeClr val="accent4"/>
+          </a:fillRef>
+          <a:effectRef idx="1">
+            <a:schemeClr val="accent4"/>
+          </a:effectRef>
+          <a:fontRef idx="minor">
+            <a:schemeClr val="lt1"/>
+          </a:fontRef>
+        </p:style>
+        <p:txBody>
+          <a:bodyPr wrap="square">
+            <a:spAutoFit/>
+          </a:bodyPr>
+          <a:lstStyle/>
+          <a:p>
+            <a:r>
+              <a:rPr lang="en-US" sz="1400" err="1"/>
+              <a:t>VerbXXXEvent</a:t>
+            </a:r>
+            <a:br>
+              <a:rPr lang="en-US" sz="1400"/>
+            </a:br>
+            <a:r>
+              <a:rPr lang="en-US" sz="1400"/>
+              <a:t>function</a:t>
+            </a:r>
+          </a:p>
+        </p:txBody>
+      </p:sp>
+      <p:cxnSp>
+        <p:nvCxnSpPr>
+          <p:cNvPr id="94" name="Straight Arrow Connector 93">
+            <a:extLst>
+              <a:ext uri="{FF2B5EF4-FFF2-40B4-BE49-F238E27FC236}">
+                <a16:creationId xmlns:a16="http://schemas.microsoft.com/office/drawing/2014/main" id="{79224D41-CAF5-606A-D028-3C082E7DDE9E}"/>
+              </a:ext>
+            </a:extLst>
+          </p:cNvPr>
+          <p:cNvCxnSpPr>
+            <a:cxnSpLocks/>
+            <a:stCxn id="19" idx="2"/>
+            <a:endCxn id="91" idx="0"/>
+          </p:cNvCxnSpPr>
+          <p:nvPr/>
+        </p:nvCxnSpPr>
+        <p:spPr>
+          <a:xfrm>
+            <a:off x="7167727" y="3843258"/>
+            <a:ext cx="228144" cy="713413"/>
+          </a:xfrm>
+          <a:prstGeom prst="straightConnector1">
+            <a:avLst/>
+          </a:prstGeom>
+          <a:ln>
+            <a:tailEnd type="triangle"/>
+          </a:ln>
+        </p:spPr>
+        <p:style>
+          <a:lnRef idx="2">
+            <a:schemeClr val="accent1"/>
+          </a:lnRef>
+          <a:fillRef idx="0">
+            <a:schemeClr val="accent1"/>
+          </a:fillRef>
+          <a:effectRef idx="1">
+            <a:schemeClr val="accent1"/>
+          </a:effectRef>
+          <a:fontRef idx="minor">
+            <a:schemeClr val="tx1"/>
+          </a:fontRef>
+        </p:style>
+      </p:cxnSp>
+      <p:sp>
+        <p:nvSpPr>
+          <p:cNvPr id="104" name="TextBox 103">
+            <a:extLst>
+              <a:ext uri="{FF2B5EF4-FFF2-40B4-BE49-F238E27FC236}">
+                <a16:creationId xmlns:a16="http://schemas.microsoft.com/office/drawing/2014/main" id="{2F3FB6E5-C76A-F089-635D-C13C43DE8979}"/>
+              </a:ext>
+            </a:extLst>
+          </p:cNvPr>
+          <p:cNvSpPr txBox="1"/>
+          <p:nvPr/>
+        </p:nvSpPr>
+        <p:spPr>
+          <a:xfrm>
+            <a:off x="9142464" y="6124552"/>
+            <a:ext cx="2632561" cy="523220"/>
+          </a:xfrm>
+          <a:prstGeom prst="rect">
+            <a:avLst/>
+          </a:prstGeom>
+        </p:spPr>
+        <p:style>
+          <a:lnRef idx="3">
+            <a:schemeClr val="lt1"/>
+          </a:lnRef>
+          <a:fillRef idx="1">
+            <a:schemeClr val="accent1"/>
+          </a:fillRef>
+          <a:effectRef idx="1">
+            <a:schemeClr val="accent1"/>
+          </a:effectRef>
+          <a:fontRef idx="minor">
+            <a:schemeClr val="lt1"/>
+          </a:fontRef>
+        </p:style>
+        <p:txBody>
+          <a:bodyPr wrap="square">
+            <a:spAutoFit/>
+          </a:bodyPr>
+          <a:lstStyle/>
+          <a:p>
+            <a:r>
+              <a:rPr lang="en-US" sz="1400" err="1"/>
+              <a:t>qVerbXXXEvent</a:t>
+            </a:r>
+            <a:br>
+              <a:rPr lang="en-US" sz="1400"/>
+            </a:br>
+            <a:r>
+              <a:rPr lang="en-US" sz="1400"/>
+              <a:t>Azure </a:t>
+            </a:r>
+            <a:r>
+              <a:rPr lang="en-US" sz="1400" err="1"/>
+              <a:t>ServiceBus</a:t>
+            </a:r>
+            <a:endParaRPr lang="en-US" sz="1400"/>
+          </a:p>
+        </p:txBody>
+      </p:sp>
+      <p:cxnSp>
+        <p:nvCxnSpPr>
+          <p:cNvPr id="105" name="Straight Arrow Connector 104">
+            <a:extLst>
+              <a:ext uri="{FF2B5EF4-FFF2-40B4-BE49-F238E27FC236}">
+                <a16:creationId xmlns:a16="http://schemas.microsoft.com/office/drawing/2014/main" id="{F60DFBC8-00D8-DC79-D5ED-CF0757BBAA61}"/>
+              </a:ext>
+            </a:extLst>
+          </p:cNvPr>
+          <p:cNvCxnSpPr>
+            <a:cxnSpLocks/>
+            <a:stCxn id="91" idx="2"/>
+            <a:endCxn id="104" idx="1"/>
+          </p:cNvCxnSpPr>
+          <p:nvPr/>
+        </p:nvCxnSpPr>
+        <p:spPr>
+          <a:xfrm>
+            <a:off x="7395871" y="5079891"/>
+            <a:ext cx="1746593" cy="1306271"/>
+          </a:xfrm>
+          <a:prstGeom prst="straightConnector1">
+            <a:avLst/>
+          </a:prstGeom>
+          <a:ln>
+            <a:tailEnd type="triangle"/>
+          </a:ln>
+        </p:spPr>
+        <p:style>
+          <a:lnRef idx="2">
+            <a:schemeClr val="accent1"/>
+          </a:lnRef>
+          <a:fillRef idx="0">
+            <a:schemeClr val="accent1"/>
+          </a:fillRef>
+          <a:effectRef idx="1">
+            <a:schemeClr val="accent1"/>
+          </a:effectRef>
+          <a:fontRef idx="minor">
+            <a:schemeClr val="tx1"/>
+          </a:fontRef>
+        </p:style>
+      </p:cxnSp>
+      <p:sp>
+        <p:nvSpPr>
+          <p:cNvPr id="131" name="TextBox 130">
+            <a:extLst>
+              <a:ext uri="{FF2B5EF4-FFF2-40B4-BE49-F238E27FC236}">
+                <a16:creationId xmlns:a16="http://schemas.microsoft.com/office/drawing/2014/main" id="{565ACDB3-C14E-1563-B353-FA1A5DF4AFBC}"/>
+              </a:ext>
+            </a:extLst>
+          </p:cNvPr>
+          <p:cNvSpPr txBox="1"/>
+          <p:nvPr/>
+        </p:nvSpPr>
+        <p:spPr>
+          <a:xfrm>
+            <a:off x="9816359" y="944698"/>
+            <a:ext cx="1800000" cy="307777"/>
+          </a:xfrm>
+          <a:prstGeom prst="rect">
+            <a:avLst/>
+          </a:prstGeom>
+        </p:spPr>
+        <p:style>
+          <a:lnRef idx="3">
+            <a:schemeClr val="lt1"/>
+          </a:lnRef>
+          <a:fillRef idx="1">
+            <a:schemeClr val="accent4"/>
+          </a:fillRef>
+          <a:effectRef idx="1">
+            <a:schemeClr val="accent4"/>
+          </a:effectRef>
+          <a:fontRef idx="minor">
+            <a:schemeClr val="lt1"/>
+          </a:fontRef>
+        </p:style>
+        <p:txBody>
+          <a:bodyPr wrap="square">
+            <a:spAutoFit/>
+          </a:bodyPr>
+          <a:lstStyle/>
+          <a:p>
+            <a:r>
+              <a:rPr lang="en-US" sz="1400" err="1"/>
+              <a:t>VerbXXX</a:t>
+            </a:r>
+            <a:r>
+              <a:rPr lang="en-US" sz="1400"/>
+              <a:t> API</a:t>
+            </a:r>
+          </a:p>
+        </p:txBody>
+      </p:sp>
+      <p:sp>
+        <p:nvSpPr>
+          <p:cNvPr id="139" name="TextBox 138">
+            <a:extLst>
+              <a:ext uri="{FF2B5EF4-FFF2-40B4-BE49-F238E27FC236}">
+                <a16:creationId xmlns:a16="http://schemas.microsoft.com/office/drawing/2014/main" id="{FCD98182-F2D7-2D7E-E30E-4D4DCC3723BF}"/>
+              </a:ext>
+            </a:extLst>
+          </p:cNvPr>
+          <p:cNvSpPr txBox="1"/>
+          <p:nvPr/>
+        </p:nvSpPr>
+        <p:spPr>
+          <a:xfrm>
+            <a:off x="6384277" y="488738"/>
+            <a:ext cx="1494817" cy="307777"/>
+          </a:xfrm>
+          <a:prstGeom prst="rect">
+            <a:avLst/>
+          </a:prstGeom>
           <a:solidFill>
-            <a:schemeClr val="accent5">
+            <a:schemeClr val="dk1">
               <a:alpha val="50000"/>
             </a:schemeClr>
           </a:solidFill>
@@ -3594,22 +4068,66 @@
           <a:lstStyle/>
           <a:p>
             <a:r>
-              <a:rPr lang="en-US" err="1"/>
-              <a:t>followUpCmd</a:t>
-            </a:r>
-            <a:r>
-              <a:rPr lang="en-US"/>
-              <a:t> Table</a:t>
-            </a:r>
-          </a:p>
-        </p:txBody>
-      </p:sp>
-      <p:sp>
-        <p:nvSpPr>
-          <p:cNvPr id="12" name="TextBox 11">
-            <a:extLst>
-              <a:ext uri="{FF2B5EF4-FFF2-40B4-BE49-F238E27FC236}">
-                <a16:creationId xmlns:a16="http://schemas.microsoft.com/office/drawing/2014/main" id="{4B3D3796-FD39-C31B-EFDC-F9AAA3BE072A}"/>
+              <a:rPr lang="en-US" sz="1400" err="1"/>
+              <a:t>VerbXXX</a:t>
+            </a:r>
+            <a:r>
+              <a:rPr lang="en-US" sz="1400"/>
+              <a:t> button</a:t>
+            </a:r>
+          </a:p>
+        </p:txBody>
+      </p:sp>
+      <p:cxnSp>
+        <p:nvCxnSpPr>
+          <p:cNvPr id="140" name="Straight Arrow Connector 139">
+            <a:extLst>
+              <a:ext uri="{FF2B5EF4-FFF2-40B4-BE49-F238E27FC236}">
+                <a16:creationId xmlns:a16="http://schemas.microsoft.com/office/drawing/2014/main" id="{82E74192-3A87-9366-79CD-8148235D07E6}"/>
+              </a:ext>
+            </a:extLst>
+          </p:cNvPr>
+          <p:cNvCxnSpPr>
+            <a:cxnSpLocks/>
+            <a:stCxn id="139" idx="3"/>
+            <a:endCxn id="131" idx="1"/>
+          </p:cNvCxnSpPr>
+          <p:nvPr/>
+        </p:nvCxnSpPr>
+        <p:spPr>
+          <a:xfrm>
+            <a:off x="7879094" y="642627"/>
+            <a:ext cx="1937265" cy="455960"/>
+          </a:xfrm>
+          <a:prstGeom prst="straightConnector1">
+            <a:avLst/>
+          </a:prstGeom>
+          <a:ln>
+            <a:prstDash val="dash"/>
+            <a:tailEnd type="triangle"/>
+          </a:ln>
+        </p:spPr>
+        <p:style>
+          <a:lnRef idx="2">
+            <a:schemeClr val="accent1"/>
+          </a:lnRef>
+          <a:fillRef idx="0">
+            <a:schemeClr val="accent1"/>
+          </a:fillRef>
+          <a:effectRef idx="1">
+            <a:schemeClr val="accent1"/>
+          </a:effectRef>
+          <a:fontRef idx="minor">
+            <a:schemeClr val="tx1"/>
+          </a:fontRef>
+        </p:style>
+      </p:cxnSp>
+      <p:sp>
+        <p:nvSpPr>
+          <p:cNvPr id="146" name="TextBox 145">
+            <a:extLst>
+              <a:ext uri="{FF2B5EF4-FFF2-40B4-BE49-F238E27FC236}">
+                <a16:creationId xmlns:a16="http://schemas.microsoft.com/office/drawing/2014/main" id="{96AA891B-B434-5A44-63EA-8BB55CFF4C51}"/>
               </a:ext>
             </a:extLst>
           </p:cNvPr>
@@ -3618,8 +4136,213 @@
         </p:nvSpPr>
         <p:spPr>
           <a:xfrm>
-            <a:off x="855330" y="4714189"/>
-            <a:ext cx="1800000" cy="646331"/>
+            <a:off x="9657694" y="1907748"/>
+            <a:ext cx="2117331" cy="523220"/>
+          </a:xfrm>
+          <a:prstGeom prst="rect">
+            <a:avLst/>
+          </a:prstGeom>
+        </p:spPr>
+        <p:style>
+          <a:lnRef idx="3">
+            <a:schemeClr val="lt1"/>
+          </a:lnRef>
+          <a:fillRef idx="1">
+            <a:schemeClr val="accent1"/>
+          </a:fillRef>
+          <a:effectRef idx="1">
+            <a:schemeClr val="accent1"/>
+          </a:effectRef>
+          <a:fontRef idx="minor">
+            <a:schemeClr val="lt1"/>
+          </a:fontRef>
+        </p:style>
+        <p:txBody>
+          <a:bodyPr wrap="square">
+            <a:spAutoFit/>
+          </a:bodyPr>
+          <a:lstStyle/>
+          <a:p>
+            <a:r>
+              <a:rPr lang="en-US" sz="1400"/>
+              <a:t>q </a:t>
+            </a:r>
+            <a:r>
+              <a:rPr lang="en-US" sz="1400" err="1"/>
+              <a:t>VerbXXX</a:t>
+            </a:r>
+            <a:r>
+              <a:rPr lang="en-US" sz="1400"/>
+              <a:t>  Azure </a:t>
+            </a:r>
+            <a:r>
+              <a:rPr lang="en-US" sz="1400" err="1"/>
+              <a:t>ServiceBus</a:t>
+            </a:r>
+            <a:r>
+              <a:rPr lang="en-US" sz="1400"/>
+              <a:t> Queue</a:t>
+            </a:r>
+          </a:p>
+        </p:txBody>
+      </p:sp>
+      <p:cxnSp>
+        <p:nvCxnSpPr>
+          <p:cNvPr id="147" name="Straight Arrow Connector 19">
+            <a:extLst>
+              <a:ext uri="{FF2B5EF4-FFF2-40B4-BE49-F238E27FC236}">
+                <a16:creationId xmlns:a16="http://schemas.microsoft.com/office/drawing/2014/main" id="{1AD37294-5AF9-D59A-EB31-2CCE155D323E}"/>
+              </a:ext>
+            </a:extLst>
+          </p:cNvPr>
+          <p:cNvCxnSpPr>
+            <a:cxnSpLocks/>
+            <a:stCxn id="131" idx="2"/>
+            <a:endCxn id="146" idx="0"/>
+          </p:cNvCxnSpPr>
+          <p:nvPr/>
+        </p:nvCxnSpPr>
+        <p:spPr>
+          <a:xfrm rot="16200000" flipH="1">
+            <a:off x="10388723" y="1580110"/>
+            <a:ext cx="655273" cy="1"/>
+          </a:xfrm>
+          <a:prstGeom prst="bentConnector3">
+            <a:avLst>
+              <a:gd name="adj1" fmla="val 50000"/>
+            </a:avLst>
+          </a:prstGeom>
+          <a:ln>
+            <a:tailEnd type="triangle"/>
+          </a:ln>
+        </p:spPr>
+        <p:style>
+          <a:lnRef idx="2">
+            <a:schemeClr val="accent1"/>
+          </a:lnRef>
+          <a:fillRef idx="0">
+            <a:schemeClr val="accent1"/>
+          </a:fillRef>
+          <a:effectRef idx="1">
+            <a:schemeClr val="accent1"/>
+          </a:effectRef>
+          <a:fontRef idx="minor">
+            <a:schemeClr val="tx1"/>
+          </a:fontRef>
+        </p:style>
+      </p:cxnSp>
+      <p:cxnSp>
+        <p:nvCxnSpPr>
+          <p:cNvPr id="153" name="Straight Arrow Connector 19">
+            <a:extLst>
+              <a:ext uri="{FF2B5EF4-FFF2-40B4-BE49-F238E27FC236}">
+                <a16:creationId xmlns:a16="http://schemas.microsoft.com/office/drawing/2014/main" id="{88CA4C44-A9F4-20A0-6944-4DB57191CA81}"/>
+              </a:ext>
+            </a:extLst>
+          </p:cNvPr>
+          <p:cNvCxnSpPr>
+            <a:cxnSpLocks/>
+            <a:stCxn id="146" idx="1"/>
+            <a:endCxn id="163" idx="3"/>
+          </p:cNvCxnSpPr>
+          <p:nvPr/>
+        </p:nvCxnSpPr>
+        <p:spPr>
+          <a:xfrm flipH="1">
+            <a:off x="8067727" y="2169358"/>
+            <a:ext cx="1589967" cy="261610"/>
+          </a:xfrm>
+          <a:prstGeom prst="straightConnector1">
+            <a:avLst/>
+          </a:prstGeom>
+          <a:ln>
+            <a:prstDash val="dash"/>
+            <a:tailEnd type="triangle"/>
+          </a:ln>
+        </p:spPr>
+        <p:style>
+          <a:lnRef idx="2">
+            <a:schemeClr val="accent1"/>
+          </a:lnRef>
+          <a:fillRef idx="0">
+            <a:schemeClr val="accent1"/>
+          </a:fillRef>
+          <a:effectRef idx="1">
+            <a:schemeClr val="accent1"/>
+          </a:effectRef>
+          <a:fontRef idx="minor">
+            <a:schemeClr val="tx1"/>
+          </a:fontRef>
+        </p:style>
+      </p:cxnSp>
+      <p:sp>
+        <p:nvSpPr>
+          <p:cNvPr id="163" name="TextBox 162">
+            <a:extLst>
+              <a:ext uri="{FF2B5EF4-FFF2-40B4-BE49-F238E27FC236}">
+                <a16:creationId xmlns:a16="http://schemas.microsoft.com/office/drawing/2014/main" id="{5678D23B-A76A-7E4B-DFCA-E71CA8161A88}"/>
+              </a:ext>
+            </a:extLst>
+          </p:cNvPr>
+          <p:cNvSpPr txBox="1"/>
+          <p:nvPr/>
+        </p:nvSpPr>
+        <p:spPr>
+          <a:xfrm>
+            <a:off x="6267727" y="2169358"/>
+            <a:ext cx="1800000" cy="523220"/>
+          </a:xfrm>
+          <a:prstGeom prst="rect">
+            <a:avLst/>
+          </a:prstGeom>
+        </p:spPr>
+        <p:style>
+          <a:lnRef idx="3">
+            <a:schemeClr val="lt1"/>
+          </a:lnRef>
+          <a:fillRef idx="1">
+            <a:schemeClr val="accent4"/>
+          </a:fillRef>
+          <a:effectRef idx="1">
+            <a:schemeClr val="accent4"/>
+          </a:effectRef>
+          <a:fontRef idx="minor">
+            <a:schemeClr val="lt1"/>
+          </a:fontRef>
+        </p:style>
+        <p:txBody>
+          <a:bodyPr wrap="square">
+            <a:spAutoFit/>
+          </a:bodyPr>
+          <a:lstStyle/>
+          <a:p>
+            <a:r>
+              <a:rPr lang="en-US" sz="1400" err="1"/>
+              <a:t>VerbXXXCmd</a:t>
+            </a:r>
+            <a:r>
+              <a:rPr lang="en-US" sz="1400"/>
+              <a:t> function</a:t>
+            </a:r>
+          </a:p>
+        </p:txBody>
+      </p:sp>
+      <p:sp>
+        <p:nvSpPr>
+          <p:cNvPr id="165" name="TextBox 164">
+            <a:extLst>
+              <a:ext uri="{FF2B5EF4-FFF2-40B4-BE49-F238E27FC236}">
+                <a16:creationId xmlns:a16="http://schemas.microsoft.com/office/drawing/2014/main" id="{6DD2CB8B-829F-DC72-B3F2-6FF4DAB3FFFD}"/>
+              </a:ext>
+            </a:extLst>
+          </p:cNvPr>
+          <p:cNvSpPr txBox="1"/>
+          <p:nvPr/>
+        </p:nvSpPr>
+        <p:spPr>
+          <a:xfrm>
+            <a:off x="9343973" y="2876630"/>
+            <a:ext cx="2431052" cy="307777"/>
           </a:xfrm>
           <a:prstGeom prst="rect">
             <a:avLst/>
@@ -3654,23 +4377,108 @@
           <a:lstStyle/>
           <a:p>
             <a:r>
-              <a:rPr lang="en-US" err="1"/>
-              <a:t>followUpEvent</a:t>
-            </a:r>
-            <a:r>
-              <a:rPr lang="en-US"/>
-              <a:t> Table</a:t>
-            </a:r>
-            <a:endParaRPr lang="en-AU"/>
-          </a:p>
-        </p:txBody>
-      </p:sp>
-      <p:sp>
-        <p:nvSpPr>
-          <p:cNvPr id="14" name="TextBox 13">
-            <a:extLst>
-              <a:ext uri="{FF2B5EF4-FFF2-40B4-BE49-F238E27FC236}">
-                <a16:creationId xmlns:a16="http://schemas.microsoft.com/office/drawing/2014/main" id="{7BDE1AE7-0BB3-0FE0-F337-99E9C2C0A179}"/>
+              <a:rPr lang="en-US" sz="1400" err="1"/>
+              <a:t>insertVerbXXXCmd</a:t>
+            </a:r>
+            <a:r>
+              <a:rPr lang="en-US" sz="1400"/>
+              <a:t> SQL</a:t>
+            </a:r>
+          </a:p>
+        </p:txBody>
+      </p:sp>
+      <p:cxnSp>
+        <p:nvCxnSpPr>
+          <p:cNvPr id="166" name="Straight Arrow Connector 165">
+            <a:extLst>
+              <a:ext uri="{FF2B5EF4-FFF2-40B4-BE49-F238E27FC236}">
+                <a16:creationId xmlns:a16="http://schemas.microsoft.com/office/drawing/2014/main" id="{30B38845-98D0-97BE-828C-3387973BAC32}"/>
+              </a:ext>
+            </a:extLst>
+          </p:cNvPr>
+          <p:cNvCxnSpPr>
+            <a:cxnSpLocks/>
+            <a:stCxn id="163" idx="2"/>
+            <a:endCxn id="165" idx="1"/>
+          </p:cNvCxnSpPr>
+          <p:nvPr/>
+        </p:nvCxnSpPr>
+        <p:spPr>
+          <a:xfrm>
+            <a:off x="7167727" y="2692578"/>
+            <a:ext cx="2176246" cy="337941"/>
+          </a:xfrm>
+          <a:prstGeom prst="straightConnector1">
+            <a:avLst/>
+          </a:prstGeom>
+          <a:ln>
+            <a:tailEnd type="triangle"/>
+          </a:ln>
+        </p:spPr>
+        <p:style>
+          <a:lnRef idx="2">
+            <a:schemeClr val="accent1"/>
+          </a:lnRef>
+          <a:fillRef idx="0">
+            <a:schemeClr val="accent1"/>
+          </a:fillRef>
+          <a:effectRef idx="1">
+            <a:schemeClr val="accent1"/>
+          </a:effectRef>
+          <a:fontRef idx="minor">
+            <a:schemeClr val="tx1"/>
+          </a:fontRef>
+        </p:style>
+      </p:cxnSp>
+      <p:cxnSp>
+        <p:nvCxnSpPr>
+          <p:cNvPr id="171" name="Straight Arrow Connector 170">
+            <a:extLst>
+              <a:ext uri="{FF2B5EF4-FFF2-40B4-BE49-F238E27FC236}">
+                <a16:creationId xmlns:a16="http://schemas.microsoft.com/office/drawing/2014/main" id="{DFC0864D-6E19-DEB9-671C-E26D75B2715D}"/>
+              </a:ext>
+            </a:extLst>
+          </p:cNvPr>
+          <p:cNvCxnSpPr>
+            <a:cxnSpLocks/>
+            <a:stCxn id="163" idx="2"/>
+            <a:endCxn id="19" idx="0"/>
+          </p:cNvCxnSpPr>
+          <p:nvPr/>
+        </p:nvCxnSpPr>
+        <p:spPr>
+          <a:xfrm>
+            <a:off x="7167727" y="2692578"/>
+            <a:ext cx="0" cy="627460"/>
+          </a:xfrm>
+          <a:prstGeom prst="straightConnector1">
+            <a:avLst/>
+          </a:prstGeom>
+          <a:ln>
+            <a:tailEnd type="triangle"/>
+          </a:ln>
+        </p:spPr>
+        <p:style>
+          <a:lnRef idx="2">
+            <a:schemeClr val="accent1"/>
+          </a:lnRef>
+          <a:fillRef idx="0">
+            <a:schemeClr val="accent1"/>
+          </a:fillRef>
+          <a:effectRef idx="1">
+            <a:schemeClr val="accent1"/>
+          </a:effectRef>
+          <a:fontRef idx="minor">
+            <a:schemeClr val="tx1"/>
+          </a:fontRef>
+        </p:style>
+      </p:cxnSp>
+      <p:sp>
+        <p:nvSpPr>
+          <p:cNvPr id="39" name="TextBox 38">
+            <a:extLst>
+              <a:ext uri="{FF2B5EF4-FFF2-40B4-BE49-F238E27FC236}">
+                <a16:creationId xmlns:a16="http://schemas.microsoft.com/office/drawing/2014/main" id="{787C6936-F6E8-102D-8A12-708B190C1160}"/>
               </a:ext>
             </a:extLst>
           </p:cNvPr>
@@ -3679,8 +4487,335 @@
         </p:nvSpPr>
         <p:spPr>
           <a:xfrm>
-            <a:off x="3524688" y="5638875"/>
-            <a:ext cx="2256288" cy="646331"/>
+            <a:off x="352066" y="1745829"/>
+            <a:ext cx="1080000" cy="307777"/>
+          </a:xfrm>
+          <a:prstGeom prst="rect">
+            <a:avLst/>
+          </a:prstGeom>
+        </p:spPr>
+        <p:style>
+          <a:lnRef idx="3">
+            <a:schemeClr val="lt1"/>
+          </a:lnRef>
+          <a:fillRef idx="1">
+            <a:schemeClr val="accent4"/>
+          </a:fillRef>
+          <a:effectRef idx="1">
+            <a:schemeClr val="accent4"/>
+          </a:effectRef>
+          <a:fontRef idx="minor">
+            <a:schemeClr val="lt1"/>
+          </a:fontRef>
+        </p:style>
+        <p:txBody>
+          <a:bodyPr wrap="square">
+            <a:spAutoFit/>
+          </a:bodyPr>
+          <a:lstStyle/>
+          <a:p>
+            <a:r>
+              <a:rPr lang="en-US" sz="1400" err="1"/>
+              <a:t>DoStuff</a:t>
+            </a:r>
+            <a:endParaRPr lang="en-US" sz="1400"/>
+          </a:p>
+        </p:txBody>
+      </p:sp>
+      <p:sp>
+        <p:nvSpPr>
+          <p:cNvPr id="40" name="TextBox 39">
+            <a:extLst>
+              <a:ext uri="{FF2B5EF4-FFF2-40B4-BE49-F238E27FC236}">
+                <a16:creationId xmlns:a16="http://schemas.microsoft.com/office/drawing/2014/main" id="{79CCC71E-4A4E-D845-8425-DCA902649AAB}"/>
+              </a:ext>
+            </a:extLst>
+          </p:cNvPr>
+          <p:cNvSpPr txBox="1"/>
+          <p:nvPr/>
+        </p:nvSpPr>
+        <p:spPr>
+          <a:xfrm>
+            <a:off x="352066" y="2284534"/>
+            <a:ext cx="1080000" cy="307777"/>
+          </a:xfrm>
+          <a:prstGeom prst="rect">
+            <a:avLst/>
+          </a:prstGeom>
+        </p:spPr>
+        <p:style>
+          <a:lnRef idx="3">
+            <a:schemeClr val="lt1"/>
+          </a:lnRef>
+          <a:fillRef idx="1">
+            <a:schemeClr val="accent4"/>
+          </a:fillRef>
+          <a:effectRef idx="1">
+            <a:schemeClr val="accent4"/>
+          </a:effectRef>
+          <a:fontRef idx="minor">
+            <a:schemeClr val="lt1"/>
+          </a:fontRef>
+        </p:style>
+        <p:txBody>
+          <a:bodyPr wrap="square">
+            <a:spAutoFit/>
+          </a:bodyPr>
+          <a:lstStyle/>
+          <a:p>
+            <a:r>
+              <a:rPr lang="en-US" sz="1400"/>
+              <a:t>Event</a:t>
+            </a:r>
+          </a:p>
+        </p:txBody>
+      </p:sp>
+      <p:cxnSp>
+        <p:nvCxnSpPr>
+          <p:cNvPr id="41" name="Straight Arrow Connector 40">
+            <a:extLst>
+              <a:ext uri="{FF2B5EF4-FFF2-40B4-BE49-F238E27FC236}">
+                <a16:creationId xmlns:a16="http://schemas.microsoft.com/office/drawing/2014/main" id="{E0743B3B-BB75-9928-F8A9-4CB28A4B6C5E}"/>
+              </a:ext>
+            </a:extLst>
+          </p:cNvPr>
+          <p:cNvCxnSpPr>
+            <a:cxnSpLocks/>
+          </p:cNvCxnSpPr>
+          <p:nvPr/>
+        </p:nvCxnSpPr>
+        <p:spPr>
+          <a:xfrm>
+            <a:off x="892066" y="2053606"/>
+            <a:ext cx="0" cy="230928"/>
+          </a:xfrm>
+          <a:prstGeom prst="straightConnector1">
+            <a:avLst/>
+          </a:prstGeom>
+          <a:ln>
+            <a:tailEnd type="triangle"/>
+          </a:ln>
+        </p:spPr>
+        <p:style>
+          <a:lnRef idx="2">
+            <a:schemeClr val="accent1"/>
+          </a:lnRef>
+          <a:fillRef idx="0">
+            <a:schemeClr val="accent1"/>
+          </a:fillRef>
+          <a:effectRef idx="1">
+            <a:schemeClr val="accent1"/>
+          </a:effectRef>
+          <a:fontRef idx="minor">
+            <a:schemeClr val="tx1"/>
+          </a:fontRef>
+        </p:style>
+      </p:cxnSp>
+      <p:sp>
+        <p:nvSpPr>
+          <p:cNvPr id="43" name="TextBox 42">
+            <a:extLst>
+              <a:ext uri="{FF2B5EF4-FFF2-40B4-BE49-F238E27FC236}">
+                <a16:creationId xmlns:a16="http://schemas.microsoft.com/office/drawing/2014/main" id="{AAEC5D31-6E2D-7013-87C8-2D5C8E5CCC0B}"/>
+              </a:ext>
+            </a:extLst>
+          </p:cNvPr>
+          <p:cNvSpPr txBox="1"/>
+          <p:nvPr/>
+        </p:nvSpPr>
+        <p:spPr>
+          <a:xfrm>
+            <a:off x="352066" y="1260281"/>
+            <a:ext cx="1080000" cy="307777"/>
+          </a:xfrm>
+          <a:prstGeom prst="rect">
+            <a:avLst/>
+          </a:prstGeom>
+        </p:spPr>
+        <p:style>
+          <a:lnRef idx="3">
+            <a:schemeClr val="lt1"/>
+          </a:lnRef>
+          <a:fillRef idx="1">
+            <a:schemeClr val="accent4"/>
+          </a:fillRef>
+          <a:effectRef idx="1">
+            <a:schemeClr val="accent4"/>
+          </a:effectRef>
+          <a:fontRef idx="minor">
+            <a:schemeClr val="lt1"/>
+          </a:fontRef>
+        </p:style>
+        <p:txBody>
+          <a:bodyPr wrap="square">
+            <a:spAutoFit/>
+          </a:bodyPr>
+          <a:lstStyle/>
+          <a:p>
+            <a:r>
+              <a:rPr lang="en-US" sz="1400"/>
+              <a:t>Command</a:t>
+            </a:r>
+          </a:p>
+        </p:txBody>
+      </p:sp>
+      <p:cxnSp>
+        <p:nvCxnSpPr>
+          <p:cNvPr id="44" name="Straight Arrow Connector 43">
+            <a:extLst>
+              <a:ext uri="{FF2B5EF4-FFF2-40B4-BE49-F238E27FC236}">
+                <a16:creationId xmlns:a16="http://schemas.microsoft.com/office/drawing/2014/main" id="{2AE1AF3D-15DA-AE82-1390-FB71FA3BBB86}"/>
+              </a:ext>
+            </a:extLst>
+          </p:cNvPr>
+          <p:cNvCxnSpPr>
+            <a:cxnSpLocks/>
+          </p:cNvCxnSpPr>
+          <p:nvPr/>
+        </p:nvCxnSpPr>
+        <p:spPr>
+          <a:xfrm>
+            <a:off x="892066" y="1568058"/>
+            <a:ext cx="0" cy="177771"/>
+          </a:xfrm>
+          <a:prstGeom prst="straightConnector1">
+            <a:avLst/>
+          </a:prstGeom>
+          <a:ln>
+            <a:tailEnd type="triangle"/>
+          </a:ln>
+        </p:spPr>
+        <p:style>
+          <a:lnRef idx="2">
+            <a:schemeClr val="accent1"/>
+          </a:lnRef>
+          <a:fillRef idx="0">
+            <a:schemeClr val="accent1"/>
+          </a:fillRef>
+          <a:effectRef idx="1">
+            <a:schemeClr val="accent1"/>
+          </a:effectRef>
+          <a:fontRef idx="minor">
+            <a:schemeClr val="tx1"/>
+          </a:fontRef>
+        </p:style>
+      </p:cxnSp>
+      <p:sp>
+        <p:nvSpPr>
+          <p:cNvPr id="63" name="TextBox 62">
+            <a:extLst>
+              <a:ext uri="{FF2B5EF4-FFF2-40B4-BE49-F238E27FC236}">
+                <a16:creationId xmlns:a16="http://schemas.microsoft.com/office/drawing/2014/main" id="{08325F47-01BC-4450-4032-06C4D19E9268}"/>
+              </a:ext>
+            </a:extLst>
+          </p:cNvPr>
+          <p:cNvSpPr txBox="1"/>
+          <p:nvPr/>
+        </p:nvSpPr>
+        <p:spPr>
+          <a:xfrm>
+            <a:off x="8265214" y="1869845"/>
+            <a:ext cx="1194992" cy="307777"/>
+          </a:xfrm>
+          <a:prstGeom prst="rect">
+            <a:avLst/>
+          </a:prstGeom>
+          <a:noFill/>
+        </p:spPr>
+        <p:txBody>
+          <a:bodyPr wrap="square">
+            <a:spAutoFit/>
+          </a:bodyPr>
+          <a:lstStyle/>
+          <a:p>
+            <a:r>
+              <a:rPr lang="en-US" sz="1400"/>
+              <a:t>Async</a:t>
+            </a:r>
+          </a:p>
+        </p:txBody>
+      </p:sp>
+    </p:spTree>
+    <p:extLst>
+      <p:ext uri="{BB962C8B-B14F-4D97-AF65-F5344CB8AC3E}">
+        <p14:creationId xmlns:p14="http://schemas.microsoft.com/office/powerpoint/2010/main" val="3139886894"/>
+      </p:ext>
+    </p:extLst>
+  </p:cSld>
+  <p:clrMapOvr>
+    <a:masterClrMapping/>
+  </p:clrMapOvr>
+</p:sld>
+</file>
+
+<file path=ppt/slides/slide2.xml><?xml version="1.0" encoding="utf-8"?>
+<p:sld xmlns:a="http://schemas.openxmlformats.org/drawingml/2006/main" xmlns:r="http://schemas.openxmlformats.org/officeDocument/2006/relationships" xmlns:p="http://schemas.openxmlformats.org/presentationml/2006/main">
+  <p:cSld>
+    <p:spTree>
+      <p:nvGrpSpPr>
+        <p:cNvPr id="1" name=""/>
+        <p:cNvGrpSpPr/>
+        <p:nvPr/>
+      </p:nvGrpSpPr>
+      <p:grpSpPr>
+        <a:xfrm>
+          <a:off x="0" y="0"/>
+          <a:ext cx="0" cy="0"/>
+          <a:chOff x="0" y="0"/>
+          <a:chExt cx="0" cy="0"/>
+        </a:xfrm>
+      </p:grpSpPr>
+      <p:sp>
+        <p:nvSpPr>
+          <p:cNvPr id="4" name="Title 3">
+            <a:extLst>
+              <a:ext uri="{FF2B5EF4-FFF2-40B4-BE49-F238E27FC236}">
+                <a16:creationId xmlns:a16="http://schemas.microsoft.com/office/drawing/2014/main" id="{D2A27156-A7EB-86E9-4E98-649A25D6943C}"/>
+              </a:ext>
+            </a:extLst>
+          </p:cNvPr>
+          <p:cNvSpPr>
+            <a:spLocks noGrp="1"/>
+          </p:cNvSpPr>
+          <p:nvPr>
+            <p:ph type="title"/>
+          </p:nvPr>
+        </p:nvSpPr>
+        <p:spPr>
+          <a:xfrm>
+            <a:off x="62395" y="0"/>
+            <a:ext cx="4676717" cy="642627"/>
+          </a:xfrm>
+        </p:spPr>
+        <p:txBody>
+          <a:bodyPr>
+            <a:normAutofit fontScale="90000"/>
+          </a:bodyPr>
+          <a:lstStyle/>
+          <a:p>
+            <a:r>
+              <a:rPr lang="en-AU"/>
+              <a:t>Question Sharing</a:t>
+            </a:r>
+          </a:p>
+        </p:txBody>
+      </p:sp>
+      <p:sp>
+        <p:nvSpPr>
+          <p:cNvPr id="6" name="TextBox 5">
+            <a:extLst>
+              <a:ext uri="{FF2B5EF4-FFF2-40B4-BE49-F238E27FC236}">
+                <a16:creationId xmlns:a16="http://schemas.microsoft.com/office/drawing/2014/main" id="{C5A15DBC-4437-1307-FAFB-19BC96176FE1}"/>
+              </a:ext>
+            </a:extLst>
+          </p:cNvPr>
+          <p:cNvSpPr txBox="1"/>
+          <p:nvPr/>
+        </p:nvSpPr>
+        <p:spPr>
+          <a:xfrm>
+            <a:off x="3562848" y="2293964"/>
+            <a:ext cx="1800000" cy="523220"/>
           </a:xfrm>
           <a:prstGeom prst="rect">
             <a:avLst/>
@@ -3715,22 +4850,23 @@
           <a:lstStyle/>
           <a:p>
             <a:r>
-              <a:rPr lang="en-US" err="1"/>
-              <a:t>followUpShareEvent</a:t>
-            </a:r>
-            <a:r>
-              <a:rPr lang="en-US"/>
+              <a:rPr lang="en-US" sz="1400" err="1"/>
+              <a:t>insertFollowUpFilter</a:t>
+            </a:r>
+            <a:r>
+              <a:rPr lang="en-US" sz="1400"/>
               <a:t> Table</a:t>
             </a:r>
-          </a:p>
-        </p:txBody>
-      </p:sp>
-      <p:sp>
-        <p:nvSpPr>
-          <p:cNvPr id="15" name="TextBox 14">
-            <a:extLst>
-              <a:ext uri="{FF2B5EF4-FFF2-40B4-BE49-F238E27FC236}">
-                <a16:creationId xmlns:a16="http://schemas.microsoft.com/office/drawing/2014/main" id="{B0232B2F-17AE-E2C1-C8A7-4A745E9E5061}"/>
+            <a:endParaRPr lang="en-AU" sz="1400"/>
+          </a:p>
+        </p:txBody>
+      </p:sp>
+      <p:sp>
+        <p:nvSpPr>
+          <p:cNvPr id="8" name="TextBox 7">
+            <a:extLst>
+              <a:ext uri="{FF2B5EF4-FFF2-40B4-BE49-F238E27FC236}">
+                <a16:creationId xmlns:a16="http://schemas.microsoft.com/office/drawing/2014/main" id="{A0B20A04-0D9D-449B-1A3E-6392099B7794}"/>
               </a:ext>
             </a:extLst>
           </p:cNvPr>
@@ -3739,14 +4875,14 @@
         </p:nvSpPr>
         <p:spPr>
           <a:xfrm>
-            <a:off x="382039" y="1785840"/>
-            <a:ext cx="1800000" cy="646331"/>
+            <a:off x="10282461" y="4509747"/>
+            <a:ext cx="1800000" cy="523220"/>
           </a:xfrm>
           <a:prstGeom prst="rect">
             <a:avLst/>
           </a:prstGeom>
           <a:solidFill>
-            <a:schemeClr val="dk1">
+            <a:schemeClr val="accent5">
               <a:alpha val="50000"/>
             </a:schemeClr>
           </a:solidFill>
@@ -3775,11 +4911,256 @@
           <a:lstStyle/>
           <a:p>
             <a:r>
-              <a:rPr lang="en-US" err="1"/>
+              <a:rPr lang="en-US" sz="1400" err="1"/>
+              <a:t>inserQuestionShare</a:t>
+            </a:r>
+            <a:endParaRPr lang="en-US" sz="1400"/>
+          </a:p>
+          <a:p>
+            <a:r>
+              <a:rPr lang="en-US" sz="1400"/>
+              <a:t>Table</a:t>
+            </a:r>
+            <a:endParaRPr lang="en-AU" sz="1400"/>
+          </a:p>
+        </p:txBody>
+      </p:sp>
+      <p:sp>
+        <p:nvSpPr>
+          <p:cNvPr id="10" name="TextBox 9">
+            <a:extLst>
+              <a:ext uri="{FF2B5EF4-FFF2-40B4-BE49-F238E27FC236}">
+                <a16:creationId xmlns:a16="http://schemas.microsoft.com/office/drawing/2014/main" id="{7E94C185-4BB3-A354-BC6F-AB2C05D9BD72}"/>
+              </a:ext>
+            </a:extLst>
+          </p:cNvPr>
+          <p:cNvSpPr txBox="1"/>
+          <p:nvPr/>
+        </p:nvSpPr>
+        <p:spPr>
+          <a:xfrm>
+            <a:off x="3562848" y="2899456"/>
+            <a:ext cx="1800000" cy="523220"/>
+          </a:xfrm>
+          <a:prstGeom prst="rect">
+            <a:avLst/>
+          </a:prstGeom>
+          <a:solidFill>
+            <a:schemeClr val="accent5">
+              <a:alpha val="50000"/>
+            </a:schemeClr>
+          </a:solidFill>
+          <a:ln>
+            <a:noFill/>
+          </a:ln>
+        </p:spPr>
+        <p:style>
+          <a:lnRef idx="0">
+            <a:scrgbClr r="0" g="0" b="0"/>
+          </a:lnRef>
+          <a:fillRef idx="0">
+            <a:scrgbClr r="0" g="0" b="0"/>
+          </a:fillRef>
+          <a:effectRef idx="0">
+            <a:scrgbClr r="0" g="0" b="0"/>
+          </a:effectRef>
+          <a:fontRef idx="minor">
+            <a:schemeClr val="lt1"/>
+          </a:fontRef>
+        </p:style>
+        <p:txBody>
+          <a:bodyPr wrap="square">
+            <a:spAutoFit/>
+          </a:bodyPr>
+          <a:lstStyle/>
+          <a:p>
+            <a:r>
+              <a:rPr lang="en-US" sz="1400" err="1"/>
+              <a:t>insertFollowUpCmd</a:t>
+            </a:r>
+            <a:r>
+              <a:rPr lang="en-US" sz="1400"/>
+              <a:t> Table</a:t>
+            </a:r>
+          </a:p>
+        </p:txBody>
+      </p:sp>
+      <p:sp>
+        <p:nvSpPr>
+          <p:cNvPr id="12" name="TextBox 11">
+            <a:extLst>
+              <a:ext uri="{FF2B5EF4-FFF2-40B4-BE49-F238E27FC236}">
+                <a16:creationId xmlns:a16="http://schemas.microsoft.com/office/drawing/2014/main" id="{4B3D3796-FD39-C31B-EFDC-F9AAA3BE072A}"/>
+              </a:ext>
+            </a:extLst>
+          </p:cNvPr>
+          <p:cNvSpPr txBox="1"/>
+          <p:nvPr/>
+        </p:nvSpPr>
+        <p:spPr>
+          <a:xfrm>
+            <a:off x="3562848" y="5912163"/>
+            <a:ext cx="1800000" cy="523220"/>
+          </a:xfrm>
+          <a:prstGeom prst="rect">
+            <a:avLst/>
+          </a:prstGeom>
+          <a:solidFill>
+            <a:schemeClr val="accent5">
+              <a:alpha val="50000"/>
+            </a:schemeClr>
+          </a:solidFill>
+          <a:ln>
+            <a:noFill/>
+          </a:ln>
+        </p:spPr>
+        <p:style>
+          <a:lnRef idx="0">
+            <a:scrgbClr r="0" g="0" b="0"/>
+          </a:lnRef>
+          <a:fillRef idx="0">
+            <a:scrgbClr r="0" g="0" b="0"/>
+          </a:fillRef>
+          <a:effectRef idx="0">
+            <a:scrgbClr r="0" g="0" b="0"/>
+          </a:effectRef>
+          <a:fontRef idx="minor">
+            <a:schemeClr val="lt1"/>
+          </a:fontRef>
+        </p:style>
+        <p:txBody>
+          <a:bodyPr wrap="square">
+            <a:spAutoFit/>
+          </a:bodyPr>
+          <a:lstStyle/>
+          <a:p>
+            <a:r>
+              <a:rPr lang="en-US" sz="1400" err="1"/>
+              <a:t>insertFollowUpEvent</a:t>
+            </a:r>
+            <a:r>
+              <a:rPr lang="en-US" sz="1400"/>
+              <a:t> Table</a:t>
+            </a:r>
+            <a:endParaRPr lang="en-AU" sz="1400"/>
+          </a:p>
+        </p:txBody>
+      </p:sp>
+      <p:sp>
+        <p:nvSpPr>
+          <p:cNvPr id="14" name="TextBox 13">
+            <a:extLst>
+              <a:ext uri="{FF2B5EF4-FFF2-40B4-BE49-F238E27FC236}">
+                <a16:creationId xmlns:a16="http://schemas.microsoft.com/office/drawing/2014/main" id="{7BDE1AE7-0BB3-0FE0-F337-99E9C2C0A179}"/>
+              </a:ext>
+            </a:extLst>
+          </p:cNvPr>
+          <p:cNvSpPr txBox="1"/>
+          <p:nvPr/>
+        </p:nvSpPr>
+        <p:spPr>
+          <a:xfrm>
+            <a:off x="9826173" y="5517565"/>
+            <a:ext cx="2256288" cy="523220"/>
+          </a:xfrm>
+          <a:prstGeom prst="rect">
+            <a:avLst/>
+          </a:prstGeom>
+          <a:solidFill>
+            <a:schemeClr val="accent5">
+              <a:alpha val="50000"/>
+            </a:schemeClr>
+          </a:solidFill>
+          <a:ln>
+            <a:noFill/>
+          </a:ln>
+        </p:spPr>
+        <p:style>
+          <a:lnRef idx="0">
+            <a:scrgbClr r="0" g="0" b="0"/>
+          </a:lnRef>
+          <a:fillRef idx="0">
+            <a:scrgbClr r="0" g="0" b="0"/>
+          </a:fillRef>
+          <a:effectRef idx="0">
+            <a:scrgbClr r="0" g="0" b="0"/>
+          </a:effectRef>
+          <a:fontRef idx="minor">
+            <a:schemeClr val="lt1"/>
+          </a:fontRef>
+        </p:style>
+        <p:txBody>
+          <a:bodyPr wrap="square">
+            <a:spAutoFit/>
+          </a:bodyPr>
+          <a:lstStyle/>
+          <a:p>
+            <a:r>
+              <a:rPr lang="en-US" sz="1400" err="1"/>
+              <a:t>insertQuestionShareEvent</a:t>
+            </a:r>
+            <a:r>
+              <a:rPr lang="en-US" sz="1400"/>
+              <a:t> Table</a:t>
+            </a:r>
+          </a:p>
+        </p:txBody>
+      </p:sp>
+      <p:sp>
+        <p:nvSpPr>
+          <p:cNvPr id="15" name="TextBox 14">
+            <a:extLst>
+              <a:ext uri="{FF2B5EF4-FFF2-40B4-BE49-F238E27FC236}">
+                <a16:creationId xmlns:a16="http://schemas.microsoft.com/office/drawing/2014/main" id="{B0232B2F-17AE-E2C1-C8A7-4A745E9E5061}"/>
+              </a:ext>
+            </a:extLst>
+          </p:cNvPr>
+          <p:cNvSpPr txBox="1"/>
+          <p:nvPr/>
+        </p:nvSpPr>
+        <p:spPr>
+          <a:xfrm>
+            <a:off x="289117" y="724731"/>
+            <a:ext cx="1494817" cy="523220"/>
+          </a:xfrm>
+          <a:prstGeom prst="rect">
+            <a:avLst/>
+          </a:prstGeom>
+          <a:solidFill>
+            <a:schemeClr val="dk1">
+              <a:alpha val="50000"/>
+            </a:schemeClr>
+          </a:solidFill>
+          <a:ln>
+            <a:noFill/>
+          </a:ln>
+        </p:spPr>
+        <p:style>
+          <a:lnRef idx="0">
+            <a:scrgbClr r="0" g="0" b="0"/>
+          </a:lnRef>
+          <a:fillRef idx="0">
+            <a:scrgbClr r="0" g="0" b="0"/>
+          </a:fillRef>
+          <a:effectRef idx="0">
+            <a:scrgbClr r="0" g="0" b="0"/>
+          </a:effectRef>
+          <a:fontRef idx="minor">
+            <a:schemeClr val="lt1"/>
+          </a:fontRef>
+        </p:style>
+        <p:txBody>
+          <a:bodyPr wrap="square">
+            <a:spAutoFit/>
+          </a:bodyPr>
+          <a:lstStyle/>
+          <a:p>
+            <a:r>
+              <a:rPr lang="en-US" sz="1400" err="1"/>
               <a:t>sendFollowUp</a:t>
             </a:r>
             <a:r>
-              <a:rPr lang="en-US"/>
+              <a:rPr lang="en-US" sz="1400"/>
               <a:t> button</a:t>
             </a:r>
           </a:p>
@@ -3799,8 +5180,8 @@
         </p:nvSpPr>
         <p:spPr>
           <a:xfrm>
-            <a:off x="3382224" y="1785840"/>
-            <a:ext cx="1800000" cy="646331"/>
+            <a:off x="289117" y="2352613"/>
+            <a:ext cx="1800000" cy="523220"/>
           </a:xfrm>
           <a:prstGeom prst="rect">
             <a:avLst/>
@@ -3827,13 +5208,17 @@
           <a:lstStyle/>
           <a:p>
             <a:r>
-              <a:rPr lang="en-US" err="1"/>
-              <a:t>sendFollowUp</a:t>
-            </a:r>
-            <a:r>
-              <a:rPr lang="en-US"/>
-              <a:t> API</a:t>
-            </a:r>
+              <a:rPr lang="en-US" sz="1400" err="1"/>
+              <a:t>sendFollowUpCmd</a:t>
+            </a:r>
+            <a:br>
+              <a:rPr lang="en-US" sz="1400"/>
+            </a:br>
+            <a:r>
+              <a:rPr lang="en-US" sz="1400" err="1"/>
+              <a:t>funtion</a:t>
+            </a:r>
+            <a:endParaRPr lang="en-US" sz="1400"/>
           </a:p>
         </p:txBody>
       </p:sp>
@@ -3847,20 +5232,22 @@
             </a:extLst>
           </p:cNvPr>
           <p:cNvCxnSpPr>
+            <a:cxnSpLocks/>
             <a:stCxn id="15" idx="3"/>
-            <a:endCxn id="16" idx="1"/>
+            <a:endCxn id="5" idx="1"/>
           </p:cNvCxnSpPr>
           <p:nvPr/>
         </p:nvCxnSpPr>
         <p:spPr>
           <a:xfrm>
-            <a:off x="2182039" y="2109006"/>
-            <a:ext cx="1200185" cy="0"/>
+            <a:off x="1783934" y="986341"/>
+            <a:ext cx="1778914" cy="0"/>
           </a:xfrm>
           <a:prstGeom prst="straightConnector1">
             <a:avLst/>
           </a:prstGeom>
           <a:ln>
+            <a:prstDash val="dash"/>
             <a:tailEnd type="triangle"/>
           </a:ln>
         </p:spPr>
@@ -3889,22 +5276,19 @@
             </a:extLst>
           </p:cNvPr>
           <p:cNvCxnSpPr>
+            <a:cxnSpLocks/>
             <a:stCxn id="16" idx="3"/>
             <a:endCxn id="10" idx="1"/>
           </p:cNvCxnSpPr>
           <p:nvPr/>
         </p:nvCxnSpPr>
         <p:spPr>
-          <a:xfrm flipH="1">
-            <a:off x="696141" y="2109006"/>
-            <a:ext cx="4486083" cy="1559910"/>
-          </a:xfrm>
-          <a:prstGeom prst="bentConnector5">
-            <a:avLst>
-              <a:gd name="adj1" fmla="val -5096"/>
-              <a:gd name="adj2" fmla="val 50000"/>
-              <a:gd name="adj3" fmla="val 105096"/>
-            </a:avLst>
+          <a:xfrm>
+            <a:off x="2089117" y="2614223"/>
+            <a:ext cx="1473731" cy="546843"/>
+          </a:xfrm>
+          <a:prstGeom prst="straightConnector1">
+            <a:avLst/>
           </a:prstGeom>
           <a:ln>
             <a:tailEnd type="triangle"/>
@@ -3925,12 +5309,184 @@
           </a:fontRef>
         </p:style>
       </p:cxnSp>
-      <p:sp>
-        <p:nvSpPr>
-          <p:cNvPr id="23" name="TextBox 22">
-            <a:extLst>
-              <a:ext uri="{FF2B5EF4-FFF2-40B4-BE49-F238E27FC236}">
-                <a16:creationId xmlns:a16="http://schemas.microsoft.com/office/drawing/2014/main" id="{C166CDFF-41E6-D17F-2713-B7E1D3645AE6}"/>
+      <p:cxnSp>
+        <p:nvCxnSpPr>
+          <p:cNvPr id="28" name="Straight Arrow Connector 27">
+            <a:extLst>
+              <a:ext uri="{FF2B5EF4-FFF2-40B4-BE49-F238E27FC236}">
+                <a16:creationId xmlns:a16="http://schemas.microsoft.com/office/drawing/2014/main" id="{4B6BC4D1-1DD1-C6CC-FCCF-3CA5A8B4407A}"/>
+              </a:ext>
+            </a:extLst>
+          </p:cNvPr>
+          <p:cNvCxnSpPr>
+            <a:cxnSpLocks/>
+            <a:stCxn id="55" idx="3"/>
+            <a:endCxn id="12" idx="0"/>
+          </p:cNvCxnSpPr>
+          <p:nvPr/>
+        </p:nvCxnSpPr>
+        <p:spPr>
+          <a:xfrm>
+            <a:off x="2089117" y="5029554"/>
+            <a:ext cx="2373731" cy="882609"/>
+          </a:xfrm>
+          <a:prstGeom prst="straightConnector1">
+            <a:avLst/>
+          </a:prstGeom>
+          <a:ln>
+            <a:tailEnd type="triangle"/>
+          </a:ln>
+        </p:spPr>
+        <p:style>
+          <a:lnRef idx="2">
+            <a:schemeClr val="accent1"/>
+          </a:lnRef>
+          <a:fillRef idx="0">
+            <a:schemeClr val="accent1"/>
+          </a:fillRef>
+          <a:effectRef idx="1">
+            <a:schemeClr val="accent1"/>
+          </a:effectRef>
+          <a:fontRef idx="minor">
+            <a:schemeClr val="tx1"/>
+          </a:fontRef>
+        </p:style>
+      </p:cxnSp>
+      <p:cxnSp>
+        <p:nvCxnSpPr>
+          <p:cNvPr id="30" name="Straight Arrow Connector 29">
+            <a:extLst>
+              <a:ext uri="{FF2B5EF4-FFF2-40B4-BE49-F238E27FC236}">
+                <a16:creationId xmlns:a16="http://schemas.microsoft.com/office/drawing/2014/main" id="{392299B6-94EA-4549-A5E2-CED95448B108}"/>
+              </a:ext>
+            </a:extLst>
+          </p:cNvPr>
+          <p:cNvCxnSpPr>
+            <a:cxnSpLocks/>
+            <a:stCxn id="91" idx="2"/>
+            <a:endCxn id="14" idx="1"/>
+          </p:cNvCxnSpPr>
+          <p:nvPr/>
+        </p:nvCxnSpPr>
+        <p:spPr>
+          <a:xfrm>
+            <a:off x="7224144" y="5368350"/>
+            <a:ext cx="2602029" cy="410825"/>
+          </a:xfrm>
+          <a:prstGeom prst="straightConnector1">
+            <a:avLst/>
+          </a:prstGeom>
+          <a:ln>
+            <a:tailEnd type="triangle"/>
+          </a:ln>
+        </p:spPr>
+        <p:style>
+          <a:lnRef idx="2">
+            <a:schemeClr val="accent1"/>
+          </a:lnRef>
+          <a:fillRef idx="0">
+            <a:schemeClr val="accent1"/>
+          </a:fillRef>
+          <a:effectRef idx="1">
+            <a:schemeClr val="accent1"/>
+          </a:effectRef>
+          <a:fontRef idx="minor">
+            <a:schemeClr val="tx1"/>
+          </a:fontRef>
+        </p:style>
+      </p:cxnSp>
+      <p:cxnSp>
+        <p:nvCxnSpPr>
+          <p:cNvPr id="32" name="Straight Arrow Connector 31">
+            <a:extLst>
+              <a:ext uri="{FF2B5EF4-FFF2-40B4-BE49-F238E27FC236}">
+                <a16:creationId xmlns:a16="http://schemas.microsoft.com/office/drawing/2014/main" id="{AE6A48FB-5D99-AF68-D516-CD7FA3E8CD25}"/>
+              </a:ext>
+            </a:extLst>
+          </p:cNvPr>
+          <p:cNvCxnSpPr>
+            <a:cxnSpLocks/>
+            <a:stCxn id="16" idx="2"/>
+            <a:endCxn id="19" idx="1"/>
+          </p:cNvCxnSpPr>
+          <p:nvPr/>
+        </p:nvCxnSpPr>
+        <p:spPr>
+          <a:xfrm rot="16200000" flipH="1">
+            <a:off x="2907951" y="1156998"/>
+            <a:ext cx="1469215" cy="4906883"/>
+          </a:xfrm>
+          <a:prstGeom prst="bentConnector2">
+            <a:avLst/>
+          </a:prstGeom>
+          <a:ln>
+            <a:tailEnd type="triangle"/>
+          </a:ln>
+        </p:spPr>
+        <p:style>
+          <a:lnRef idx="2">
+            <a:schemeClr val="accent1"/>
+          </a:lnRef>
+          <a:fillRef idx="0">
+            <a:schemeClr val="accent1"/>
+          </a:fillRef>
+          <a:effectRef idx="1">
+            <a:schemeClr val="accent1"/>
+          </a:effectRef>
+          <a:fontRef idx="minor">
+            <a:schemeClr val="tx1"/>
+          </a:fontRef>
+        </p:style>
+      </p:cxnSp>
+      <p:cxnSp>
+        <p:nvCxnSpPr>
+          <p:cNvPr id="36" name="Straight Arrow Connector 35">
+            <a:extLst>
+              <a:ext uri="{FF2B5EF4-FFF2-40B4-BE49-F238E27FC236}">
+                <a16:creationId xmlns:a16="http://schemas.microsoft.com/office/drawing/2014/main" id="{8F981739-F8FF-BA2D-3C30-53624415B4F9}"/>
+              </a:ext>
+            </a:extLst>
+          </p:cNvPr>
+          <p:cNvCxnSpPr>
+            <a:cxnSpLocks/>
+            <a:stCxn id="16" idx="3"/>
+            <a:endCxn id="6" idx="1"/>
+          </p:cNvCxnSpPr>
+          <p:nvPr/>
+        </p:nvCxnSpPr>
+        <p:spPr>
+          <a:xfrm flipV="1">
+            <a:off x="2089117" y="2555574"/>
+            <a:ext cx="1473731" cy="58649"/>
+          </a:xfrm>
+          <a:prstGeom prst="straightConnector1">
+            <a:avLst/>
+          </a:prstGeom>
+          <a:ln>
+            <a:tailEnd type="triangle"/>
+          </a:ln>
+        </p:spPr>
+        <p:style>
+          <a:lnRef idx="2">
+            <a:schemeClr val="accent1"/>
+          </a:lnRef>
+          <a:fillRef idx="0">
+            <a:schemeClr val="accent1"/>
+          </a:fillRef>
+          <a:effectRef idx="1">
+            <a:schemeClr val="accent1"/>
+          </a:effectRef>
+          <a:fontRef idx="minor">
+            <a:schemeClr val="tx1"/>
+          </a:fontRef>
+        </p:style>
+      </p:cxnSp>
+      <p:sp>
+        <p:nvSpPr>
+          <p:cNvPr id="38" name="TextBox 37">
+            <a:extLst>
+              <a:ext uri="{FF2B5EF4-FFF2-40B4-BE49-F238E27FC236}">
+                <a16:creationId xmlns:a16="http://schemas.microsoft.com/office/drawing/2014/main" id="{CA1A5BC9-2089-82A3-F087-654BDA037975}"/>
               </a:ext>
             </a:extLst>
           </p:cNvPr>
@@ -3939,8 +5495,255 @@
         </p:nvSpPr>
         <p:spPr>
           <a:xfrm>
-            <a:off x="3240165" y="3346676"/>
-            <a:ext cx="1800000" cy="646331"/>
+            <a:off x="2838550" y="2114140"/>
+            <a:ext cx="1194992" cy="461665"/>
+          </a:xfrm>
+          <a:prstGeom prst="rect">
+            <a:avLst/>
+          </a:prstGeom>
+          <a:noFill/>
+        </p:spPr>
+        <p:txBody>
+          <a:bodyPr wrap="square">
+            <a:spAutoFit/>
+          </a:bodyPr>
+          <a:lstStyle/>
+          <a:p>
+            <a:r>
+              <a:rPr lang="en-US" sz="1200"/>
+              <a:t>If “Save Filter” selected</a:t>
+            </a:r>
+          </a:p>
+        </p:txBody>
+      </p:sp>
+      <p:sp>
+        <p:nvSpPr>
+          <p:cNvPr id="42" name="TextBox 41">
+            <a:extLst>
+              <a:ext uri="{FF2B5EF4-FFF2-40B4-BE49-F238E27FC236}">
+                <a16:creationId xmlns:a16="http://schemas.microsoft.com/office/drawing/2014/main" id="{4FFBA2A7-E430-7CD0-718D-E1931F056469}"/>
+              </a:ext>
+            </a:extLst>
+          </p:cNvPr>
+          <p:cNvSpPr txBox="1"/>
+          <p:nvPr/>
+        </p:nvSpPr>
+        <p:spPr>
+          <a:xfrm>
+            <a:off x="5641956" y="6700222"/>
+            <a:ext cx="5142902" cy="5693866"/>
+          </a:xfrm>
+          <a:prstGeom prst="rect">
+            <a:avLst/>
+          </a:prstGeom>
+          <a:noFill/>
+        </p:spPr>
+        <p:txBody>
+          <a:bodyPr wrap="square">
+            <a:spAutoFit/>
+          </a:bodyPr>
+          <a:lstStyle/>
+          <a:p>
+            <a:r>
+              <a:rPr lang="en-AU" sz="1400" err="1"/>
+              <a:t>FollowUp</a:t>
+            </a:r>
+            <a:r>
+              <a:rPr lang="en-AU" sz="1400"/>
+              <a:t> User Interface</a:t>
+            </a:r>
+          </a:p>
+          <a:p>
+            <a:endParaRPr lang="en-AU" sz="1400"/>
+          </a:p>
+          <a:p>
+            <a:r>
+              <a:rPr lang="en-AU" sz="1400"/>
+              <a:t>Heading: Send a follow-up Question</a:t>
+            </a:r>
+          </a:p>
+          <a:p>
+            <a:r>
+              <a:rPr lang="en-AU" sz="1400"/>
+              <a:t>Description: Select who you want to send a follow-up question to .</a:t>
+            </a:r>
+          </a:p>
+          <a:p>
+            <a:r>
+              <a:rPr lang="en-AU" sz="1400"/>
+              <a:t> </a:t>
+            </a:r>
+          </a:p>
+          <a:p>
+            <a:r>
+              <a:rPr lang="en-AU" sz="1400"/>
+              <a:t>Question: XXXX</a:t>
+            </a:r>
+          </a:p>
+          <a:p>
+            <a:r>
+              <a:rPr lang="en-AU" sz="1400"/>
+              <a:t>Checkbox:</a:t>
+            </a:r>
+          </a:p>
+          <a:p>
+            <a:r>
+              <a:rPr lang="en-AU" sz="1400"/>
+              <a:t>x (num responses)</a:t>
+            </a:r>
+          </a:p>
+          <a:p>
+            <a:r>
+              <a:rPr lang="en-AU" sz="1400"/>
+              <a:t>x (num responses)</a:t>
+            </a:r>
+          </a:p>
+          <a:p>
+            <a:r>
+              <a:rPr lang="en-AU" sz="1400"/>
+              <a:t>x (num responses)</a:t>
+            </a:r>
+          </a:p>
+          <a:p>
+            <a:r>
+              <a:rPr lang="en-AU" sz="1400"/>
+              <a:t> </a:t>
+            </a:r>
+          </a:p>
+          <a:p>
+            <a:r>
+              <a:rPr lang="en-AU" sz="1400"/>
+              <a:t>AND Question: YYYY</a:t>
+            </a:r>
+          </a:p>
+          <a:p>
+            <a:r>
+              <a:rPr lang="en-AU" sz="1400"/>
+              <a:t>Checkbox:</a:t>
+            </a:r>
+          </a:p>
+          <a:p>
+            <a:r>
+              <a:rPr lang="en-AU" sz="1400"/>
+              <a:t>y (num responses)</a:t>
+            </a:r>
+          </a:p>
+          <a:p>
+            <a:r>
+              <a:rPr lang="en-AU" sz="1400"/>
+              <a:t>y (num responses)</a:t>
+            </a:r>
+          </a:p>
+          <a:p>
+            <a:r>
+              <a:rPr lang="en-AU" sz="1400"/>
+              <a:t>y (num responses)</a:t>
+            </a:r>
+          </a:p>
+          <a:p>
+            <a:r>
+              <a:rPr lang="en-AU" sz="1400"/>
+              <a:t> </a:t>
+            </a:r>
+          </a:p>
+          <a:p>
+            <a:r>
+              <a:rPr lang="en-AU" sz="1400"/>
+              <a:t>Button: &lt;Add another&gt;</a:t>
+            </a:r>
+          </a:p>
+          <a:p>
+            <a:r>
+              <a:rPr lang="en-AU" sz="1400"/>
+              <a:t> </a:t>
+            </a:r>
+          </a:p>
+          <a:p>
+            <a:r>
+              <a:rPr lang="en-AU" sz="1400"/>
+              <a:t>Select the follow-up question:</a:t>
+            </a:r>
+          </a:p>
+          <a:p>
+            <a:r>
+              <a:rPr lang="en-AU" sz="1400"/>
+              <a:t>Single Select Dropdown....</a:t>
+            </a:r>
+          </a:p>
+          <a:p>
+            <a:endParaRPr lang="en-AU" sz="1400"/>
+          </a:p>
+          <a:p>
+            <a:r>
+              <a:rPr lang="en-AU" sz="1400"/>
+              <a:t>Checkbox: Save this Follow-up filter.</a:t>
+            </a:r>
+          </a:p>
+          <a:p>
+            <a:r>
+              <a:rPr lang="en-AU" sz="1400"/>
+              <a:t> </a:t>
+            </a:r>
+          </a:p>
+          <a:p>
+            <a:r>
+              <a:rPr lang="en-AU" sz="1400"/>
+              <a:t>Button: Send follow-up question</a:t>
+            </a:r>
+          </a:p>
+        </p:txBody>
+      </p:sp>
+      <p:sp>
+        <p:nvSpPr>
+          <p:cNvPr id="52" name="TextBox 51">
+            <a:extLst>
+              <a:ext uri="{FF2B5EF4-FFF2-40B4-BE49-F238E27FC236}">
+                <a16:creationId xmlns:a16="http://schemas.microsoft.com/office/drawing/2014/main" id="{9A6FF6F2-84B2-693F-E3B0-14372834DB34}"/>
+              </a:ext>
+            </a:extLst>
+          </p:cNvPr>
+          <p:cNvSpPr txBox="1"/>
+          <p:nvPr/>
+        </p:nvSpPr>
+        <p:spPr>
+          <a:xfrm>
+            <a:off x="8639230" y="2042012"/>
+            <a:ext cx="1194992" cy="307777"/>
+          </a:xfrm>
+          <a:prstGeom prst="rect">
+            <a:avLst/>
+          </a:prstGeom>
+          <a:noFill/>
+        </p:spPr>
+        <p:txBody>
+          <a:bodyPr wrap="square">
+            <a:spAutoFit/>
+          </a:bodyPr>
+          <a:lstStyle/>
+          <a:p>
+            <a:r>
+              <a:rPr lang="en-US" sz="1400"/>
+              <a:t>Async</a:t>
+            </a:r>
+          </a:p>
+        </p:txBody>
+      </p:sp>
+      <p:sp>
+        <p:nvSpPr>
+          <p:cNvPr id="5" name="TextBox 4">
+            <a:extLst>
+              <a:ext uri="{FF2B5EF4-FFF2-40B4-BE49-F238E27FC236}">
+                <a16:creationId xmlns:a16="http://schemas.microsoft.com/office/drawing/2014/main" id="{D409B24F-C299-DB72-3893-72FED9DF3514}"/>
+              </a:ext>
+            </a:extLst>
+          </p:cNvPr>
+          <p:cNvSpPr txBox="1"/>
+          <p:nvPr/>
+        </p:nvSpPr>
+        <p:spPr>
+          <a:xfrm>
+            <a:off x="3562848" y="724731"/>
+            <a:ext cx="1800000" cy="523220"/>
           </a:xfrm>
           <a:prstGeom prst="rect">
             <a:avLst/>
@@ -3967,6 +5770,1805 @@
           <a:lstStyle/>
           <a:p>
             <a:r>
+              <a:rPr lang="en-US" sz="1400" err="1"/>
+              <a:t>sendFollowUp</a:t>
+            </a:r>
+            <a:r>
+              <a:rPr lang="en-US" sz="1400"/>
+              <a:t> </a:t>
+            </a:r>
+            <a:br>
+              <a:rPr lang="en-US" sz="1400"/>
+            </a:br>
+            <a:r>
+              <a:rPr lang="en-US" sz="1400"/>
+              <a:t>API</a:t>
+            </a:r>
+          </a:p>
+        </p:txBody>
+      </p:sp>
+      <p:sp>
+        <p:nvSpPr>
+          <p:cNvPr id="49" name="TextBox 48">
+            <a:extLst>
+              <a:ext uri="{FF2B5EF4-FFF2-40B4-BE49-F238E27FC236}">
+                <a16:creationId xmlns:a16="http://schemas.microsoft.com/office/drawing/2014/main" id="{06907CD9-341C-116C-7F46-6DCA3EF43D30}"/>
+              </a:ext>
+            </a:extLst>
+          </p:cNvPr>
+          <p:cNvSpPr txBox="1"/>
+          <p:nvPr/>
+        </p:nvSpPr>
+        <p:spPr>
+          <a:xfrm>
+            <a:off x="3562848" y="1539004"/>
+            <a:ext cx="1800000" cy="523220"/>
+          </a:xfrm>
+          <a:prstGeom prst="rect">
+            <a:avLst/>
+          </a:prstGeom>
+        </p:spPr>
+        <p:style>
+          <a:lnRef idx="3">
+            <a:schemeClr val="lt1"/>
+          </a:lnRef>
+          <a:fillRef idx="1">
+            <a:schemeClr val="accent1"/>
+          </a:fillRef>
+          <a:effectRef idx="1">
+            <a:schemeClr val="accent1"/>
+          </a:effectRef>
+          <a:fontRef idx="minor">
+            <a:schemeClr val="lt1"/>
+          </a:fontRef>
+        </p:style>
+        <p:txBody>
+          <a:bodyPr wrap="square">
+            <a:spAutoFit/>
+          </a:bodyPr>
+          <a:lstStyle/>
+          <a:p>
+            <a:r>
+              <a:rPr lang="en-US" sz="1400" err="1"/>
+              <a:t>qSendFollowUpCmd</a:t>
+            </a:r>
+            <a:br>
+              <a:rPr lang="en-US" sz="1400"/>
+            </a:br>
+            <a:r>
+              <a:rPr lang="en-US" sz="1400"/>
+              <a:t>Azure </a:t>
+            </a:r>
+            <a:r>
+              <a:rPr lang="en-US" sz="1400" err="1"/>
+              <a:t>ServiceBus</a:t>
+            </a:r>
+            <a:endParaRPr lang="en-US" sz="1400"/>
+          </a:p>
+        </p:txBody>
+      </p:sp>
+      <p:cxnSp>
+        <p:nvCxnSpPr>
+          <p:cNvPr id="53" name="Straight Arrow Connector 19">
+            <a:extLst>
+              <a:ext uri="{FF2B5EF4-FFF2-40B4-BE49-F238E27FC236}">
+                <a16:creationId xmlns:a16="http://schemas.microsoft.com/office/drawing/2014/main" id="{7EAF4F06-AEA5-FB4C-C38D-9790F312BFFA}"/>
+              </a:ext>
+            </a:extLst>
+          </p:cNvPr>
+          <p:cNvCxnSpPr>
+            <a:cxnSpLocks/>
+            <a:stCxn id="5" idx="2"/>
+            <a:endCxn id="49" idx="0"/>
+          </p:cNvCxnSpPr>
+          <p:nvPr/>
+        </p:nvCxnSpPr>
+        <p:spPr>
+          <a:xfrm>
+            <a:off x="4462848" y="1247951"/>
+            <a:ext cx="0" cy="291053"/>
+          </a:xfrm>
+          <a:prstGeom prst="straightConnector1">
+            <a:avLst/>
+          </a:prstGeom>
+          <a:ln>
+            <a:tailEnd type="triangle"/>
+          </a:ln>
+        </p:spPr>
+        <p:style>
+          <a:lnRef idx="2">
+            <a:schemeClr val="accent1"/>
+          </a:lnRef>
+          <a:fillRef idx="0">
+            <a:schemeClr val="accent1"/>
+          </a:fillRef>
+          <a:effectRef idx="1">
+            <a:schemeClr val="accent1"/>
+          </a:effectRef>
+          <a:fontRef idx="minor">
+            <a:schemeClr val="tx1"/>
+          </a:fontRef>
+        </p:style>
+      </p:cxnSp>
+      <p:cxnSp>
+        <p:nvCxnSpPr>
+          <p:cNvPr id="56" name="Straight Arrow Connector 19">
+            <a:extLst>
+              <a:ext uri="{FF2B5EF4-FFF2-40B4-BE49-F238E27FC236}">
+                <a16:creationId xmlns:a16="http://schemas.microsoft.com/office/drawing/2014/main" id="{F083B973-1544-FCD2-C0F0-8AE1BBCAE3C2}"/>
+              </a:ext>
+            </a:extLst>
+          </p:cNvPr>
+          <p:cNvCxnSpPr>
+            <a:cxnSpLocks/>
+            <a:stCxn id="49" idx="1"/>
+            <a:endCxn id="16" idx="0"/>
+          </p:cNvCxnSpPr>
+          <p:nvPr/>
+        </p:nvCxnSpPr>
+        <p:spPr>
+          <a:xfrm rot="10800000" flipV="1">
+            <a:off x="1189118" y="1800613"/>
+            <a:ext cx="2373731" cy="551999"/>
+          </a:xfrm>
+          <a:prstGeom prst="bentConnector2">
+            <a:avLst/>
+          </a:prstGeom>
+          <a:ln>
+            <a:prstDash val="dash"/>
+            <a:tailEnd type="triangle"/>
+          </a:ln>
+        </p:spPr>
+        <p:style>
+          <a:lnRef idx="2">
+            <a:schemeClr val="accent1"/>
+          </a:lnRef>
+          <a:fillRef idx="0">
+            <a:schemeClr val="accent1"/>
+          </a:fillRef>
+          <a:effectRef idx="1">
+            <a:schemeClr val="accent1"/>
+          </a:effectRef>
+          <a:fontRef idx="minor">
+            <a:schemeClr val="tx1"/>
+          </a:fontRef>
+        </p:style>
+      </p:cxnSp>
+      <p:sp>
+        <p:nvSpPr>
+          <p:cNvPr id="90" name="TextBox 89">
+            <a:extLst>
+              <a:ext uri="{FF2B5EF4-FFF2-40B4-BE49-F238E27FC236}">
+                <a16:creationId xmlns:a16="http://schemas.microsoft.com/office/drawing/2014/main" id="{B87C5FDD-ABB4-1628-BAD4-F040075FA814}"/>
+              </a:ext>
+            </a:extLst>
+          </p:cNvPr>
+          <p:cNvSpPr txBox="1"/>
+          <p:nvPr/>
+        </p:nvSpPr>
+        <p:spPr>
+          <a:xfrm>
+            <a:off x="289117" y="6030566"/>
+            <a:ext cx="2056599" cy="523220"/>
+          </a:xfrm>
+          <a:prstGeom prst="rect">
+            <a:avLst/>
+          </a:prstGeom>
+        </p:spPr>
+        <p:style>
+          <a:lnRef idx="3">
+            <a:schemeClr val="lt1"/>
+          </a:lnRef>
+          <a:fillRef idx="1">
+            <a:schemeClr val="accent1"/>
+          </a:fillRef>
+          <a:effectRef idx="1">
+            <a:schemeClr val="accent1"/>
+          </a:effectRef>
+          <a:fontRef idx="minor">
+            <a:schemeClr val="lt1"/>
+          </a:fontRef>
+        </p:style>
+        <p:txBody>
+          <a:bodyPr wrap="square">
+            <a:spAutoFit/>
+          </a:bodyPr>
+          <a:lstStyle/>
+          <a:p>
+            <a:r>
+              <a:rPr lang="en-US" sz="1400" err="1"/>
+              <a:t>qNotifyFollowUpEvent</a:t>
+            </a:r>
+            <a:br>
+              <a:rPr lang="en-US" sz="1400"/>
+            </a:br>
+            <a:r>
+              <a:rPr lang="en-US" sz="1400"/>
+              <a:t>Azure </a:t>
+            </a:r>
+            <a:r>
+              <a:rPr lang="en-US" sz="1400" err="1"/>
+              <a:t>ServiceBus</a:t>
+            </a:r>
+            <a:endParaRPr lang="en-US" sz="1400"/>
+          </a:p>
+        </p:txBody>
+      </p:sp>
+      <p:cxnSp>
+        <p:nvCxnSpPr>
+          <p:cNvPr id="92" name="Straight Arrow Connector 19">
+            <a:extLst>
+              <a:ext uri="{FF2B5EF4-FFF2-40B4-BE49-F238E27FC236}">
+                <a16:creationId xmlns:a16="http://schemas.microsoft.com/office/drawing/2014/main" id="{B88B130F-AA5A-DC02-DC30-1E83130F0C7B}"/>
+              </a:ext>
+            </a:extLst>
+          </p:cNvPr>
+          <p:cNvCxnSpPr>
+            <a:cxnSpLocks/>
+            <a:stCxn id="16" idx="2"/>
+            <a:endCxn id="55" idx="0"/>
+          </p:cNvCxnSpPr>
+          <p:nvPr/>
+        </p:nvCxnSpPr>
+        <p:spPr>
+          <a:xfrm>
+            <a:off x="1189117" y="2875833"/>
+            <a:ext cx="0" cy="1892111"/>
+          </a:xfrm>
+          <a:prstGeom prst="straightConnector1">
+            <a:avLst/>
+          </a:prstGeom>
+          <a:ln>
+            <a:tailEnd type="triangle"/>
+          </a:ln>
+        </p:spPr>
+        <p:style>
+          <a:lnRef idx="2">
+            <a:schemeClr val="accent1"/>
+          </a:lnRef>
+          <a:fillRef idx="0">
+            <a:schemeClr val="accent1"/>
+          </a:fillRef>
+          <a:effectRef idx="1">
+            <a:schemeClr val="accent1"/>
+          </a:effectRef>
+          <a:fontRef idx="minor">
+            <a:schemeClr val="tx1"/>
+          </a:fontRef>
+        </p:style>
+      </p:cxnSp>
+      <p:sp>
+        <p:nvSpPr>
+          <p:cNvPr id="19" name="TextBox 18">
+            <a:extLst>
+              <a:ext uri="{FF2B5EF4-FFF2-40B4-BE49-F238E27FC236}">
+                <a16:creationId xmlns:a16="http://schemas.microsoft.com/office/drawing/2014/main" id="{F1581D78-70BB-79E5-7A68-B3949079345F}"/>
+              </a:ext>
+            </a:extLst>
+          </p:cNvPr>
+          <p:cNvSpPr txBox="1"/>
+          <p:nvPr/>
+        </p:nvSpPr>
+        <p:spPr>
+          <a:xfrm>
+            <a:off x="6096000" y="4083438"/>
+            <a:ext cx="1800000" cy="523220"/>
+          </a:xfrm>
+          <a:prstGeom prst="rect">
+            <a:avLst/>
+          </a:prstGeom>
+        </p:spPr>
+        <p:style>
+          <a:lnRef idx="3">
+            <a:schemeClr val="lt1"/>
+          </a:lnRef>
+          <a:fillRef idx="1">
+            <a:schemeClr val="accent4"/>
+          </a:fillRef>
+          <a:effectRef idx="1">
+            <a:schemeClr val="accent4"/>
+          </a:effectRef>
+          <a:fontRef idx="minor">
+            <a:schemeClr val="lt1"/>
+          </a:fontRef>
+        </p:style>
+        <p:txBody>
+          <a:bodyPr wrap="square">
+            <a:spAutoFit/>
+          </a:bodyPr>
+          <a:lstStyle/>
+          <a:p>
+            <a:r>
+              <a:rPr lang="en-US" sz="1400" err="1"/>
+              <a:t>shareQuestion</a:t>
+            </a:r>
+            <a:endParaRPr lang="en-US" sz="1400"/>
+          </a:p>
+          <a:p>
+            <a:r>
+              <a:rPr lang="en-US" sz="1400"/>
+              <a:t>function</a:t>
+            </a:r>
+          </a:p>
+        </p:txBody>
+      </p:sp>
+      <p:cxnSp>
+        <p:nvCxnSpPr>
+          <p:cNvPr id="22" name="Straight Arrow Connector 21">
+            <a:extLst>
+              <a:ext uri="{FF2B5EF4-FFF2-40B4-BE49-F238E27FC236}">
+                <a16:creationId xmlns:a16="http://schemas.microsoft.com/office/drawing/2014/main" id="{538CB7C3-F541-47B4-52BD-63B4E3241F14}"/>
+              </a:ext>
+            </a:extLst>
+          </p:cNvPr>
+          <p:cNvCxnSpPr>
+            <a:cxnSpLocks/>
+            <a:stCxn id="19" idx="2"/>
+            <a:endCxn id="8" idx="1"/>
+          </p:cNvCxnSpPr>
+          <p:nvPr/>
+        </p:nvCxnSpPr>
+        <p:spPr>
+          <a:xfrm>
+            <a:off x="6996000" y="4606658"/>
+            <a:ext cx="3286461" cy="164699"/>
+          </a:xfrm>
+          <a:prstGeom prst="straightConnector1">
+            <a:avLst/>
+          </a:prstGeom>
+          <a:ln>
+            <a:tailEnd type="triangle"/>
+          </a:ln>
+        </p:spPr>
+        <p:style>
+          <a:lnRef idx="2">
+            <a:schemeClr val="accent1"/>
+          </a:lnRef>
+          <a:fillRef idx="0">
+            <a:schemeClr val="accent1"/>
+          </a:fillRef>
+          <a:effectRef idx="1">
+            <a:schemeClr val="accent1"/>
+          </a:effectRef>
+          <a:fontRef idx="minor">
+            <a:schemeClr val="tx1"/>
+          </a:fontRef>
+        </p:style>
+      </p:cxnSp>
+      <p:sp>
+        <p:nvSpPr>
+          <p:cNvPr id="55" name="TextBox 54">
+            <a:extLst>
+              <a:ext uri="{FF2B5EF4-FFF2-40B4-BE49-F238E27FC236}">
+                <a16:creationId xmlns:a16="http://schemas.microsoft.com/office/drawing/2014/main" id="{1C2D1D68-8C62-A558-C71D-1CF673FF7235}"/>
+              </a:ext>
+            </a:extLst>
+          </p:cNvPr>
+          <p:cNvSpPr txBox="1"/>
+          <p:nvPr/>
+        </p:nvSpPr>
+        <p:spPr>
+          <a:xfrm>
+            <a:off x="289117" y="4767944"/>
+            <a:ext cx="1800000" cy="523220"/>
+          </a:xfrm>
+          <a:prstGeom prst="rect">
+            <a:avLst/>
+          </a:prstGeom>
+        </p:spPr>
+        <p:style>
+          <a:lnRef idx="3">
+            <a:schemeClr val="lt1"/>
+          </a:lnRef>
+          <a:fillRef idx="1">
+            <a:schemeClr val="accent4"/>
+          </a:fillRef>
+          <a:effectRef idx="1">
+            <a:schemeClr val="accent4"/>
+          </a:effectRef>
+          <a:fontRef idx="minor">
+            <a:schemeClr val="lt1"/>
+          </a:fontRef>
+        </p:style>
+        <p:txBody>
+          <a:bodyPr wrap="square">
+            <a:spAutoFit/>
+          </a:bodyPr>
+          <a:lstStyle/>
+          <a:p>
+            <a:r>
+              <a:rPr lang="en-US" sz="1400" err="1"/>
+              <a:t>followUpEvent</a:t>
+            </a:r>
+            <a:br>
+              <a:rPr lang="en-US" sz="1400"/>
+            </a:br>
+            <a:r>
+              <a:rPr lang="en-US" sz="1400"/>
+              <a:t>function</a:t>
+            </a:r>
+          </a:p>
+        </p:txBody>
+      </p:sp>
+      <p:cxnSp>
+        <p:nvCxnSpPr>
+          <p:cNvPr id="60" name="Straight Arrow Connector 59">
+            <a:extLst>
+              <a:ext uri="{FF2B5EF4-FFF2-40B4-BE49-F238E27FC236}">
+                <a16:creationId xmlns:a16="http://schemas.microsoft.com/office/drawing/2014/main" id="{01AC689B-B099-EBB5-7419-4E40E7CCC5EA}"/>
+              </a:ext>
+            </a:extLst>
+          </p:cNvPr>
+          <p:cNvCxnSpPr>
+            <a:cxnSpLocks/>
+            <a:stCxn id="55" idx="2"/>
+          </p:cNvCxnSpPr>
+          <p:nvPr/>
+        </p:nvCxnSpPr>
+        <p:spPr>
+          <a:xfrm flipH="1">
+            <a:off x="417417" y="5291164"/>
+            <a:ext cx="771700" cy="739402"/>
+          </a:xfrm>
+          <a:prstGeom prst="straightConnector1">
+            <a:avLst/>
+          </a:prstGeom>
+          <a:ln>
+            <a:tailEnd type="triangle"/>
+          </a:ln>
+        </p:spPr>
+        <p:style>
+          <a:lnRef idx="2">
+            <a:schemeClr val="accent1"/>
+          </a:lnRef>
+          <a:fillRef idx="0">
+            <a:schemeClr val="accent1"/>
+          </a:fillRef>
+          <a:effectRef idx="1">
+            <a:schemeClr val="accent1"/>
+          </a:effectRef>
+          <a:fontRef idx="minor">
+            <a:schemeClr val="tx1"/>
+          </a:fontRef>
+        </p:style>
+      </p:cxnSp>
+      <p:sp>
+        <p:nvSpPr>
+          <p:cNvPr id="91" name="TextBox 90">
+            <a:extLst>
+              <a:ext uri="{FF2B5EF4-FFF2-40B4-BE49-F238E27FC236}">
+                <a16:creationId xmlns:a16="http://schemas.microsoft.com/office/drawing/2014/main" id="{FCD0A77E-5B98-D917-B1E9-19E5C2227616}"/>
+              </a:ext>
+            </a:extLst>
+          </p:cNvPr>
+          <p:cNvSpPr txBox="1"/>
+          <p:nvPr/>
+        </p:nvSpPr>
+        <p:spPr>
+          <a:xfrm>
+            <a:off x="6096000" y="4845130"/>
+            <a:ext cx="2256288" cy="523220"/>
+          </a:xfrm>
+          <a:prstGeom prst="rect">
+            <a:avLst/>
+          </a:prstGeom>
+        </p:spPr>
+        <p:style>
+          <a:lnRef idx="3">
+            <a:schemeClr val="lt1"/>
+          </a:lnRef>
+          <a:fillRef idx="1">
+            <a:schemeClr val="accent4"/>
+          </a:fillRef>
+          <a:effectRef idx="1">
+            <a:schemeClr val="accent4"/>
+          </a:effectRef>
+          <a:fontRef idx="minor">
+            <a:schemeClr val="lt1"/>
+          </a:fontRef>
+        </p:style>
+        <p:txBody>
+          <a:bodyPr wrap="square">
+            <a:spAutoFit/>
+          </a:bodyPr>
+          <a:lstStyle/>
+          <a:p>
+            <a:r>
+              <a:rPr lang="en-US" sz="1400" err="1"/>
+              <a:t>shareQuestionEvent</a:t>
+            </a:r>
+            <a:br>
+              <a:rPr lang="en-US" sz="1400"/>
+            </a:br>
+            <a:r>
+              <a:rPr lang="en-US" sz="1400"/>
+              <a:t>function</a:t>
+            </a:r>
+          </a:p>
+        </p:txBody>
+      </p:sp>
+      <p:cxnSp>
+        <p:nvCxnSpPr>
+          <p:cNvPr id="94" name="Straight Arrow Connector 93">
+            <a:extLst>
+              <a:ext uri="{FF2B5EF4-FFF2-40B4-BE49-F238E27FC236}">
+                <a16:creationId xmlns:a16="http://schemas.microsoft.com/office/drawing/2014/main" id="{A6E509F0-0295-6513-C503-8341299A81B7}"/>
+              </a:ext>
+            </a:extLst>
+          </p:cNvPr>
+          <p:cNvCxnSpPr>
+            <a:cxnSpLocks/>
+            <a:stCxn id="19" idx="2"/>
+            <a:endCxn id="91" idx="0"/>
+          </p:cNvCxnSpPr>
+          <p:nvPr/>
+        </p:nvCxnSpPr>
+        <p:spPr>
+          <a:xfrm>
+            <a:off x="6996000" y="4606658"/>
+            <a:ext cx="228144" cy="238472"/>
+          </a:xfrm>
+          <a:prstGeom prst="straightConnector1">
+            <a:avLst/>
+          </a:prstGeom>
+          <a:ln>
+            <a:tailEnd type="triangle"/>
+          </a:ln>
+        </p:spPr>
+        <p:style>
+          <a:lnRef idx="2">
+            <a:schemeClr val="accent1"/>
+          </a:lnRef>
+          <a:fillRef idx="0">
+            <a:schemeClr val="accent1"/>
+          </a:fillRef>
+          <a:effectRef idx="1">
+            <a:schemeClr val="accent1"/>
+          </a:effectRef>
+          <a:fontRef idx="minor">
+            <a:schemeClr val="tx1"/>
+          </a:fontRef>
+        </p:style>
+      </p:cxnSp>
+      <p:sp>
+        <p:nvSpPr>
+          <p:cNvPr id="104" name="TextBox 103">
+            <a:extLst>
+              <a:ext uri="{FF2B5EF4-FFF2-40B4-BE49-F238E27FC236}">
+                <a16:creationId xmlns:a16="http://schemas.microsoft.com/office/drawing/2014/main" id="{621D5EFE-232A-CF4B-C606-8D9C7FFA7E89}"/>
+              </a:ext>
+            </a:extLst>
+          </p:cNvPr>
+          <p:cNvSpPr txBox="1"/>
+          <p:nvPr/>
+        </p:nvSpPr>
+        <p:spPr>
+          <a:xfrm>
+            <a:off x="9449900" y="6148507"/>
+            <a:ext cx="2632561" cy="523220"/>
+          </a:xfrm>
+          <a:prstGeom prst="rect">
+            <a:avLst/>
+          </a:prstGeom>
+        </p:spPr>
+        <p:style>
+          <a:lnRef idx="3">
+            <a:schemeClr val="lt1"/>
+          </a:lnRef>
+          <a:fillRef idx="1">
+            <a:schemeClr val="accent1"/>
+          </a:fillRef>
+          <a:effectRef idx="1">
+            <a:schemeClr val="accent1"/>
+          </a:effectRef>
+          <a:fontRef idx="minor">
+            <a:schemeClr val="lt1"/>
+          </a:fontRef>
+        </p:style>
+        <p:txBody>
+          <a:bodyPr wrap="square">
+            <a:spAutoFit/>
+          </a:bodyPr>
+          <a:lstStyle/>
+          <a:p>
+            <a:r>
+              <a:rPr lang="en-US" sz="1400" err="1"/>
+              <a:t>qShareQuestionEvent</a:t>
+            </a:r>
+            <a:br>
+              <a:rPr lang="en-US" sz="1400"/>
+            </a:br>
+            <a:r>
+              <a:rPr lang="en-US" sz="1400"/>
+              <a:t>Azure </a:t>
+            </a:r>
+            <a:r>
+              <a:rPr lang="en-US" sz="1400" err="1"/>
+              <a:t>ServiceBus</a:t>
+            </a:r>
+            <a:endParaRPr lang="en-US" sz="1400"/>
+          </a:p>
+        </p:txBody>
+      </p:sp>
+      <p:cxnSp>
+        <p:nvCxnSpPr>
+          <p:cNvPr id="105" name="Straight Arrow Connector 104">
+            <a:extLst>
+              <a:ext uri="{FF2B5EF4-FFF2-40B4-BE49-F238E27FC236}">
+                <a16:creationId xmlns:a16="http://schemas.microsoft.com/office/drawing/2014/main" id="{FD0D6B9F-B08C-2686-2F7B-760490F44D0E}"/>
+              </a:ext>
+            </a:extLst>
+          </p:cNvPr>
+          <p:cNvCxnSpPr>
+            <a:cxnSpLocks/>
+            <a:stCxn id="91" idx="2"/>
+            <a:endCxn id="104" idx="1"/>
+          </p:cNvCxnSpPr>
+          <p:nvPr/>
+        </p:nvCxnSpPr>
+        <p:spPr>
+          <a:xfrm>
+            <a:off x="7224144" y="5368350"/>
+            <a:ext cx="2225756" cy="1041767"/>
+          </a:xfrm>
+          <a:prstGeom prst="straightConnector1">
+            <a:avLst/>
+          </a:prstGeom>
+          <a:ln>
+            <a:tailEnd type="triangle"/>
+          </a:ln>
+        </p:spPr>
+        <p:style>
+          <a:lnRef idx="2">
+            <a:schemeClr val="accent1"/>
+          </a:lnRef>
+          <a:fillRef idx="0">
+            <a:schemeClr val="accent1"/>
+          </a:fillRef>
+          <a:effectRef idx="1">
+            <a:schemeClr val="accent1"/>
+          </a:effectRef>
+          <a:fontRef idx="minor">
+            <a:schemeClr val="tx1"/>
+          </a:fontRef>
+        </p:style>
+      </p:cxnSp>
+      <p:sp>
+        <p:nvSpPr>
+          <p:cNvPr id="131" name="TextBox 130">
+            <a:extLst>
+              <a:ext uri="{FF2B5EF4-FFF2-40B4-BE49-F238E27FC236}">
+                <a16:creationId xmlns:a16="http://schemas.microsoft.com/office/drawing/2014/main" id="{D08B1574-007F-CA17-3FC4-FD85AA81CCD4}"/>
+              </a:ext>
+            </a:extLst>
+          </p:cNvPr>
+          <p:cNvSpPr txBox="1"/>
+          <p:nvPr/>
+        </p:nvSpPr>
+        <p:spPr>
+          <a:xfrm>
+            <a:off x="10299369" y="724731"/>
+            <a:ext cx="1800000" cy="523220"/>
+          </a:xfrm>
+          <a:prstGeom prst="rect">
+            <a:avLst/>
+          </a:prstGeom>
+        </p:spPr>
+        <p:style>
+          <a:lnRef idx="3">
+            <a:schemeClr val="lt1"/>
+          </a:lnRef>
+          <a:fillRef idx="1">
+            <a:schemeClr val="accent4"/>
+          </a:fillRef>
+          <a:effectRef idx="1">
+            <a:schemeClr val="accent4"/>
+          </a:effectRef>
+          <a:fontRef idx="minor">
+            <a:schemeClr val="lt1"/>
+          </a:fontRef>
+        </p:style>
+        <p:txBody>
+          <a:bodyPr wrap="square">
+            <a:spAutoFit/>
+          </a:bodyPr>
+          <a:lstStyle/>
+          <a:p>
+            <a:r>
+              <a:rPr lang="en-US" sz="1400" err="1"/>
+              <a:t>shareQuestion</a:t>
+            </a:r>
+            <a:r>
+              <a:rPr lang="en-US" sz="1400"/>
+              <a:t> </a:t>
+            </a:r>
+            <a:br>
+              <a:rPr lang="en-US" sz="1400"/>
+            </a:br>
+            <a:r>
+              <a:rPr lang="en-US" sz="1400"/>
+              <a:t>API</a:t>
+            </a:r>
+          </a:p>
+        </p:txBody>
+      </p:sp>
+      <p:sp>
+        <p:nvSpPr>
+          <p:cNvPr id="139" name="TextBox 138">
+            <a:extLst>
+              <a:ext uri="{FF2B5EF4-FFF2-40B4-BE49-F238E27FC236}">
+                <a16:creationId xmlns:a16="http://schemas.microsoft.com/office/drawing/2014/main" id="{4987EED0-5B03-4682-29EF-B524A282B5EA}"/>
+              </a:ext>
+            </a:extLst>
+          </p:cNvPr>
+          <p:cNvSpPr txBox="1"/>
+          <p:nvPr/>
+        </p:nvSpPr>
+        <p:spPr>
+          <a:xfrm>
+            <a:off x="6112908" y="724731"/>
+            <a:ext cx="1494817" cy="523220"/>
+          </a:xfrm>
+          <a:prstGeom prst="rect">
+            <a:avLst/>
+          </a:prstGeom>
+          <a:solidFill>
+            <a:schemeClr val="dk1">
+              <a:alpha val="50000"/>
+            </a:schemeClr>
+          </a:solidFill>
+          <a:ln>
+            <a:noFill/>
+          </a:ln>
+        </p:spPr>
+        <p:style>
+          <a:lnRef idx="0">
+            <a:scrgbClr r="0" g="0" b="0"/>
+          </a:lnRef>
+          <a:fillRef idx="0">
+            <a:scrgbClr r="0" g="0" b="0"/>
+          </a:fillRef>
+          <a:effectRef idx="0">
+            <a:scrgbClr r="0" g="0" b="0"/>
+          </a:effectRef>
+          <a:fontRef idx="minor">
+            <a:schemeClr val="lt1"/>
+          </a:fontRef>
+        </p:style>
+        <p:txBody>
+          <a:bodyPr wrap="square">
+            <a:spAutoFit/>
+          </a:bodyPr>
+          <a:lstStyle/>
+          <a:p>
+            <a:r>
+              <a:rPr lang="en-US" sz="1400" err="1"/>
+              <a:t>shareQuestion</a:t>
+            </a:r>
+            <a:br>
+              <a:rPr lang="en-US" sz="1400"/>
+            </a:br>
+            <a:r>
+              <a:rPr lang="en-US" sz="1400"/>
+              <a:t>button</a:t>
+            </a:r>
+          </a:p>
+        </p:txBody>
+      </p:sp>
+      <p:cxnSp>
+        <p:nvCxnSpPr>
+          <p:cNvPr id="140" name="Straight Arrow Connector 139">
+            <a:extLst>
+              <a:ext uri="{FF2B5EF4-FFF2-40B4-BE49-F238E27FC236}">
+                <a16:creationId xmlns:a16="http://schemas.microsoft.com/office/drawing/2014/main" id="{940915FB-F9E7-06FA-5450-417E718DDCFB}"/>
+              </a:ext>
+            </a:extLst>
+          </p:cNvPr>
+          <p:cNvCxnSpPr>
+            <a:cxnSpLocks/>
+            <a:stCxn id="139" idx="3"/>
+            <a:endCxn id="131" idx="1"/>
+          </p:cNvCxnSpPr>
+          <p:nvPr/>
+        </p:nvCxnSpPr>
+        <p:spPr>
+          <a:xfrm>
+            <a:off x="7607725" y="986341"/>
+            <a:ext cx="2691644" cy="0"/>
+          </a:xfrm>
+          <a:prstGeom prst="straightConnector1">
+            <a:avLst/>
+          </a:prstGeom>
+          <a:ln>
+            <a:prstDash val="dash"/>
+            <a:tailEnd type="triangle"/>
+          </a:ln>
+        </p:spPr>
+        <p:style>
+          <a:lnRef idx="2">
+            <a:schemeClr val="accent1"/>
+          </a:lnRef>
+          <a:fillRef idx="0">
+            <a:schemeClr val="accent1"/>
+          </a:fillRef>
+          <a:effectRef idx="1">
+            <a:schemeClr val="accent1"/>
+          </a:effectRef>
+          <a:fontRef idx="minor">
+            <a:schemeClr val="tx1"/>
+          </a:fontRef>
+        </p:style>
+      </p:cxnSp>
+      <p:sp>
+        <p:nvSpPr>
+          <p:cNvPr id="146" name="TextBox 145">
+            <a:extLst>
+              <a:ext uri="{FF2B5EF4-FFF2-40B4-BE49-F238E27FC236}">
+                <a16:creationId xmlns:a16="http://schemas.microsoft.com/office/drawing/2014/main" id="{7C7688D2-1FC9-0587-DECA-1E6E0B97C1C5}"/>
+              </a:ext>
+            </a:extLst>
+          </p:cNvPr>
+          <p:cNvSpPr txBox="1"/>
+          <p:nvPr/>
+        </p:nvSpPr>
+        <p:spPr>
+          <a:xfrm>
+            <a:off x="9965130" y="2294951"/>
+            <a:ext cx="2117331" cy="523220"/>
+          </a:xfrm>
+          <a:prstGeom prst="rect">
+            <a:avLst/>
+          </a:prstGeom>
+        </p:spPr>
+        <p:style>
+          <a:lnRef idx="3">
+            <a:schemeClr val="lt1"/>
+          </a:lnRef>
+          <a:fillRef idx="1">
+            <a:schemeClr val="accent1"/>
+          </a:fillRef>
+          <a:effectRef idx="1">
+            <a:schemeClr val="accent1"/>
+          </a:effectRef>
+          <a:fontRef idx="minor">
+            <a:schemeClr val="lt1"/>
+          </a:fontRef>
+        </p:style>
+        <p:txBody>
+          <a:bodyPr wrap="square">
+            <a:spAutoFit/>
+          </a:bodyPr>
+          <a:lstStyle/>
+          <a:p>
+            <a:r>
+              <a:rPr lang="en-US" sz="1400" err="1"/>
+              <a:t>qShareQuestionCmd</a:t>
+            </a:r>
+            <a:br>
+              <a:rPr lang="en-US" sz="1400"/>
+            </a:br>
+            <a:r>
+              <a:rPr lang="en-US" sz="1400"/>
+              <a:t>Azure </a:t>
+            </a:r>
+            <a:r>
+              <a:rPr lang="en-US" sz="1400" err="1"/>
+              <a:t>ServiceBus</a:t>
+            </a:r>
+            <a:endParaRPr lang="en-US" sz="1400"/>
+          </a:p>
+        </p:txBody>
+      </p:sp>
+      <p:cxnSp>
+        <p:nvCxnSpPr>
+          <p:cNvPr id="147" name="Straight Arrow Connector 19">
+            <a:extLst>
+              <a:ext uri="{FF2B5EF4-FFF2-40B4-BE49-F238E27FC236}">
+                <a16:creationId xmlns:a16="http://schemas.microsoft.com/office/drawing/2014/main" id="{9BD68242-FC61-DDB6-341A-CA259E07DCEA}"/>
+              </a:ext>
+            </a:extLst>
+          </p:cNvPr>
+          <p:cNvCxnSpPr>
+            <a:cxnSpLocks/>
+            <a:stCxn id="131" idx="2"/>
+            <a:endCxn id="146" idx="0"/>
+          </p:cNvCxnSpPr>
+          <p:nvPr/>
+        </p:nvCxnSpPr>
+        <p:spPr>
+          <a:xfrm flipH="1">
+            <a:off x="11023796" y="1247951"/>
+            <a:ext cx="175573" cy="1047000"/>
+          </a:xfrm>
+          <a:prstGeom prst="straightConnector1">
+            <a:avLst/>
+          </a:prstGeom>
+          <a:ln>
+            <a:tailEnd type="triangle"/>
+          </a:ln>
+        </p:spPr>
+        <p:style>
+          <a:lnRef idx="2">
+            <a:schemeClr val="accent1"/>
+          </a:lnRef>
+          <a:fillRef idx="0">
+            <a:schemeClr val="accent1"/>
+          </a:fillRef>
+          <a:effectRef idx="1">
+            <a:schemeClr val="accent1"/>
+          </a:effectRef>
+          <a:fontRef idx="minor">
+            <a:schemeClr val="tx1"/>
+          </a:fontRef>
+        </p:style>
+      </p:cxnSp>
+      <p:cxnSp>
+        <p:nvCxnSpPr>
+          <p:cNvPr id="153" name="Straight Arrow Connector 19">
+            <a:extLst>
+              <a:ext uri="{FF2B5EF4-FFF2-40B4-BE49-F238E27FC236}">
+                <a16:creationId xmlns:a16="http://schemas.microsoft.com/office/drawing/2014/main" id="{206FBCC6-76CE-27EC-1BA1-5E7215DC207E}"/>
+              </a:ext>
+            </a:extLst>
+          </p:cNvPr>
+          <p:cNvCxnSpPr>
+            <a:cxnSpLocks/>
+            <a:stCxn id="146" idx="1"/>
+            <a:endCxn id="163" idx="3"/>
+          </p:cNvCxnSpPr>
+          <p:nvPr/>
+        </p:nvCxnSpPr>
+        <p:spPr>
+          <a:xfrm flipH="1">
+            <a:off x="7896000" y="2556561"/>
+            <a:ext cx="2069130" cy="57662"/>
+          </a:xfrm>
+          <a:prstGeom prst="straightConnector1">
+            <a:avLst/>
+          </a:prstGeom>
+          <a:ln>
+            <a:prstDash val="dash"/>
+            <a:tailEnd type="triangle"/>
+          </a:ln>
+        </p:spPr>
+        <p:style>
+          <a:lnRef idx="2">
+            <a:schemeClr val="accent1"/>
+          </a:lnRef>
+          <a:fillRef idx="0">
+            <a:schemeClr val="accent1"/>
+          </a:fillRef>
+          <a:effectRef idx="1">
+            <a:schemeClr val="accent1"/>
+          </a:effectRef>
+          <a:fontRef idx="minor">
+            <a:schemeClr val="tx1"/>
+          </a:fontRef>
+        </p:style>
+      </p:cxnSp>
+      <p:sp>
+        <p:nvSpPr>
+          <p:cNvPr id="163" name="TextBox 162">
+            <a:extLst>
+              <a:ext uri="{FF2B5EF4-FFF2-40B4-BE49-F238E27FC236}">
+                <a16:creationId xmlns:a16="http://schemas.microsoft.com/office/drawing/2014/main" id="{1C113A38-F253-DCCB-6A5D-EEFC071F038D}"/>
+              </a:ext>
+            </a:extLst>
+          </p:cNvPr>
+          <p:cNvSpPr txBox="1"/>
+          <p:nvPr/>
+        </p:nvSpPr>
+        <p:spPr>
+          <a:xfrm>
+            <a:off x="6096000" y="2352613"/>
+            <a:ext cx="1800000" cy="523220"/>
+          </a:xfrm>
+          <a:prstGeom prst="rect">
+            <a:avLst/>
+          </a:prstGeom>
+        </p:spPr>
+        <p:style>
+          <a:lnRef idx="3">
+            <a:schemeClr val="lt1"/>
+          </a:lnRef>
+          <a:fillRef idx="1">
+            <a:schemeClr val="accent4"/>
+          </a:fillRef>
+          <a:effectRef idx="1">
+            <a:schemeClr val="accent4"/>
+          </a:effectRef>
+          <a:fontRef idx="minor">
+            <a:schemeClr val="lt1"/>
+          </a:fontRef>
+        </p:style>
+        <p:txBody>
+          <a:bodyPr wrap="square">
+            <a:spAutoFit/>
+          </a:bodyPr>
+          <a:lstStyle/>
+          <a:p>
+            <a:r>
+              <a:rPr lang="en-US" sz="1400" err="1"/>
+              <a:t>shareQuestionCmd</a:t>
+            </a:r>
+            <a:endParaRPr lang="en-US" sz="1400"/>
+          </a:p>
+          <a:p>
+            <a:r>
+              <a:rPr lang="en-US" sz="1400"/>
+              <a:t>function</a:t>
+            </a:r>
+          </a:p>
+        </p:txBody>
+      </p:sp>
+      <p:sp>
+        <p:nvSpPr>
+          <p:cNvPr id="165" name="TextBox 164">
+            <a:extLst>
+              <a:ext uri="{FF2B5EF4-FFF2-40B4-BE49-F238E27FC236}">
+                <a16:creationId xmlns:a16="http://schemas.microsoft.com/office/drawing/2014/main" id="{73954A68-2544-8E61-C546-F50C6D2358AB}"/>
+              </a:ext>
+            </a:extLst>
+          </p:cNvPr>
+          <p:cNvSpPr txBox="1"/>
+          <p:nvPr/>
+        </p:nvSpPr>
+        <p:spPr>
+          <a:xfrm>
+            <a:off x="9651409" y="3123538"/>
+            <a:ext cx="2431052" cy="523220"/>
+          </a:xfrm>
+          <a:prstGeom prst="rect">
+            <a:avLst/>
+          </a:prstGeom>
+          <a:solidFill>
+            <a:schemeClr val="accent5">
+              <a:alpha val="50000"/>
+            </a:schemeClr>
+          </a:solidFill>
+          <a:ln>
+            <a:noFill/>
+          </a:ln>
+        </p:spPr>
+        <p:style>
+          <a:lnRef idx="0">
+            <a:scrgbClr r="0" g="0" b="0"/>
+          </a:lnRef>
+          <a:fillRef idx="0">
+            <a:scrgbClr r="0" g="0" b="0"/>
+          </a:fillRef>
+          <a:effectRef idx="0">
+            <a:scrgbClr r="0" g="0" b="0"/>
+          </a:effectRef>
+          <a:fontRef idx="minor">
+            <a:schemeClr val="lt1"/>
+          </a:fontRef>
+        </p:style>
+        <p:txBody>
+          <a:bodyPr wrap="square">
+            <a:spAutoFit/>
+          </a:bodyPr>
+          <a:lstStyle/>
+          <a:p>
+            <a:r>
+              <a:rPr lang="en-US" sz="1400" err="1"/>
+              <a:t>insertShareQuestionCmd</a:t>
+            </a:r>
+            <a:endParaRPr lang="en-US" sz="1400"/>
+          </a:p>
+          <a:p>
+            <a:r>
+              <a:rPr lang="en-US" sz="1400"/>
+              <a:t>Table</a:t>
+            </a:r>
+          </a:p>
+        </p:txBody>
+      </p:sp>
+      <p:cxnSp>
+        <p:nvCxnSpPr>
+          <p:cNvPr id="166" name="Straight Arrow Connector 165">
+            <a:extLst>
+              <a:ext uri="{FF2B5EF4-FFF2-40B4-BE49-F238E27FC236}">
+                <a16:creationId xmlns:a16="http://schemas.microsoft.com/office/drawing/2014/main" id="{EDA3C0A8-B2D0-8895-9BBE-7C4E8DF3D1EC}"/>
+              </a:ext>
+            </a:extLst>
+          </p:cNvPr>
+          <p:cNvCxnSpPr>
+            <a:cxnSpLocks/>
+            <a:stCxn id="163" idx="2"/>
+            <a:endCxn id="165" idx="1"/>
+          </p:cNvCxnSpPr>
+          <p:nvPr/>
+        </p:nvCxnSpPr>
+        <p:spPr>
+          <a:xfrm>
+            <a:off x="6996000" y="2875833"/>
+            <a:ext cx="2655409" cy="509315"/>
+          </a:xfrm>
+          <a:prstGeom prst="straightConnector1">
+            <a:avLst/>
+          </a:prstGeom>
+          <a:ln>
+            <a:tailEnd type="triangle"/>
+          </a:ln>
+        </p:spPr>
+        <p:style>
+          <a:lnRef idx="2">
+            <a:schemeClr val="accent1"/>
+          </a:lnRef>
+          <a:fillRef idx="0">
+            <a:schemeClr val="accent1"/>
+          </a:fillRef>
+          <a:effectRef idx="1">
+            <a:schemeClr val="accent1"/>
+          </a:effectRef>
+          <a:fontRef idx="minor">
+            <a:schemeClr val="tx1"/>
+          </a:fontRef>
+        </p:style>
+      </p:cxnSp>
+      <p:cxnSp>
+        <p:nvCxnSpPr>
+          <p:cNvPr id="171" name="Straight Arrow Connector 170">
+            <a:extLst>
+              <a:ext uri="{FF2B5EF4-FFF2-40B4-BE49-F238E27FC236}">
+                <a16:creationId xmlns:a16="http://schemas.microsoft.com/office/drawing/2014/main" id="{3308C8E2-568F-D52E-E1FF-DEB68EFF5442}"/>
+              </a:ext>
+            </a:extLst>
+          </p:cNvPr>
+          <p:cNvCxnSpPr>
+            <a:cxnSpLocks/>
+            <a:stCxn id="163" idx="2"/>
+            <a:endCxn id="19" idx="0"/>
+          </p:cNvCxnSpPr>
+          <p:nvPr/>
+        </p:nvCxnSpPr>
+        <p:spPr>
+          <a:xfrm>
+            <a:off x="6996000" y="2875833"/>
+            <a:ext cx="0" cy="1207605"/>
+          </a:xfrm>
+          <a:prstGeom prst="straightConnector1">
+            <a:avLst/>
+          </a:prstGeom>
+          <a:ln>
+            <a:tailEnd type="triangle"/>
+          </a:ln>
+        </p:spPr>
+        <p:style>
+          <a:lnRef idx="2">
+            <a:schemeClr val="accent1"/>
+          </a:lnRef>
+          <a:fillRef idx="0">
+            <a:schemeClr val="accent1"/>
+          </a:fillRef>
+          <a:effectRef idx="1">
+            <a:schemeClr val="accent1"/>
+          </a:effectRef>
+          <a:fontRef idx="minor">
+            <a:schemeClr val="tx1"/>
+          </a:fontRef>
+        </p:style>
+      </p:cxnSp>
+    </p:spTree>
+    <p:extLst>
+      <p:ext uri="{BB962C8B-B14F-4D97-AF65-F5344CB8AC3E}">
+        <p14:creationId xmlns:p14="http://schemas.microsoft.com/office/powerpoint/2010/main" val="315739175"/>
+      </p:ext>
+    </p:extLst>
+  </p:cSld>
+  <p:clrMapOvr>
+    <a:masterClrMapping/>
+  </p:clrMapOvr>
+</p:sld>
+</file>
+
+<file path=ppt/slides/slide3.xml><?xml version="1.0" encoding="utf-8"?>
+<p:sld xmlns:a="http://schemas.openxmlformats.org/drawingml/2006/main" xmlns:r="http://schemas.openxmlformats.org/officeDocument/2006/relationships" xmlns:p="http://schemas.openxmlformats.org/presentationml/2006/main">
+  <p:cSld>
+    <p:spTree>
+      <p:nvGrpSpPr>
+        <p:cNvPr id="1" name="">
+          <a:extLst>
+            <a:ext uri="{FF2B5EF4-FFF2-40B4-BE49-F238E27FC236}">
+              <a16:creationId xmlns:a16="http://schemas.microsoft.com/office/drawing/2014/main" id="{82E01954-3B55-16DA-1F1E-C799543EEB9E}"/>
+            </a:ext>
+          </a:extLst>
+        </p:cNvPr>
+        <p:cNvGrpSpPr/>
+        <p:nvPr/>
+      </p:nvGrpSpPr>
+      <p:grpSpPr>
+        <a:xfrm>
+          <a:off x="0" y="0"/>
+          <a:ext cx="0" cy="0"/>
+          <a:chOff x="0" y="0"/>
+          <a:chExt cx="0" cy="0"/>
+        </a:xfrm>
+      </p:grpSpPr>
+      <p:sp>
+        <p:nvSpPr>
+          <p:cNvPr id="4" name="Title 3">
+            <a:extLst>
+              <a:ext uri="{FF2B5EF4-FFF2-40B4-BE49-F238E27FC236}">
+                <a16:creationId xmlns:a16="http://schemas.microsoft.com/office/drawing/2014/main" id="{2E7DC7F6-BA63-D597-52A7-E511A8285BAE}"/>
+              </a:ext>
+            </a:extLst>
+          </p:cNvPr>
+          <p:cNvSpPr>
+            <a:spLocks noGrp="1"/>
+          </p:cNvSpPr>
+          <p:nvPr>
+            <p:ph type="title"/>
+          </p:nvPr>
+        </p:nvSpPr>
+        <p:spPr>
+          <a:xfrm>
+            <a:off x="62395" y="0"/>
+            <a:ext cx="4676717" cy="642627"/>
+          </a:xfrm>
+        </p:spPr>
+        <p:txBody>
+          <a:bodyPr>
+            <a:normAutofit fontScale="90000"/>
+          </a:bodyPr>
+          <a:lstStyle/>
+          <a:p>
+            <a:r>
+              <a:rPr lang="en-AU"/>
+              <a:t>Follow-Up event flow</a:t>
+            </a:r>
+          </a:p>
+        </p:txBody>
+      </p:sp>
+      <p:sp>
+        <p:nvSpPr>
+          <p:cNvPr id="6" name="TextBox 5">
+            <a:extLst>
+              <a:ext uri="{FF2B5EF4-FFF2-40B4-BE49-F238E27FC236}">
+                <a16:creationId xmlns:a16="http://schemas.microsoft.com/office/drawing/2014/main" id="{1B453BB8-0B8C-96B2-5B93-3E8BD0D2ED8C}"/>
+              </a:ext>
+            </a:extLst>
+          </p:cNvPr>
+          <p:cNvSpPr txBox="1"/>
+          <p:nvPr/>
+        </p:nvSpPr>
+        <p:spPr>
+          <a:xfrm>
+            <a:off x="4717028" y="533260"/>
+            <a:ext cx="1800000" cy="646331"/>
+          </a:xfrm>
+          <a:prstGeom prst="rect">
+            <a:avLst/>
+          </a:prstGeom>
+          <a:solidFill>
+            <a:schemeClr val="accent5">
+              <a:alpha val="50000"/>
+            </a:schemeClr>
+          </a:solidFill>
+          <a:ln>
+            <a:noFill/>
+          </a:ln>
+        </p:spPr>
+        <p:style>
+          <a:lnRef idx="0">
+            <a:scrgbClr r="0" g="0" b="0"/>
+          </a:lnRef>
+          <a:fillRef idx="0">
+            <a:scrgbClr r="0" g="0" b="0"/>
+          </a:fillRef>
+          <a:effectRef idx="0">
+            <a:scrgbClr r="0" g="0" b="0"/>
+          </a:effectRef>
+          <a:fontRef idx="minor">
+            <a:schemeClr val="lt1"/>
+          </a:fontRef>
+        </p:style>
+        <p:txBody>
+          <a:bodyPr wrap="square">
+            <a:spAutoFit/>
+          </a:bodyPr>
+          <a:lstStyle/>
+          <a:p>
+            <a:r>
+              <a:rPr lang="en-US" err="1"/>
+              <a:t>followUpFilter</a:t>
+            </a:r>
+            <a:r>
+              <a:rPr lang="en-US"/>
+              <a:t> Table</a:t>
+            </a:r>
+            <a:endParaRPr lang="en-AU"/>
+          </a:p>
+        </p:txBody>
+      </p:sp>
+      <p:sp>
+        <p:nvSpPr>
+          <p:cNvPr id="8" name="TextBox 7">
+            <a:extLst>
+              <a:ext uri="{FF2B5EF4-FFF2-40B4-BE49-F238E27FC236}">
+                <a16:creationId xmlns:a16="http://schemas.microsoft.com/office/drawing/2014/main" id="{70DDB40A-538B-9356-C7EF-8A209CC5B2AC}"/>
+              </a:ext>
+            </a:extLst>
+          </p:cNvPr>
+          <p:cNvSpPr txBox="1"/>
+          <p:nvPr/>
+        </p:nvSpPr>
+        <p:spPr>
+          <a:xfrm>
+            <a:off x="806423" y="4492775"/>
+            <a:ext cx="1800000" cy="646331"/>
+          </a:xfrm>
+          <a:prstGeom prst="rect">
+            <a:avLst/>
+          </a:prstGeom>
+          <a:solidFill>
+            <a:schemeClr val="accent5">
+              <a:alpha val="50000"/>
+            </a:schemeClr>
+          </a:solidFill>
+          <a:ln>
+            <a:noFill/>
+          </a:ln>
+        </p:spPr>
+        <p:style>
+          <a:lnRef idx="0">
+            <a:scrgbClr r="0" g="0" b="0"/>
+          </a:lnRef>
+          <a:fillRef idx="0">
+            <a:scrgbClr r="0" g="0" b="0"/>
+          </a:fillRef>
+          <a:effectRef idx="0">
+            <a:scrgbClr r="0" g="0" b="0"/>
+          </a:effectRef>
+          <a:fontRef idx="minor">
+            <a:schemeClr val="lt1"/>
+          </a:fontRef>
+        </p:style>
+        <p:txBody>
+          <a:bodyPr wrap="square">
+            <a:spAutoFit/>
+          </a:bodyPr>
+          <a:lstStyle/>
+          <a:p>
+            <a:r>
+              <a:rPr lang="en-US" err="1"/>
+              <a:t>followUpShare</a:t>
+            </a:r>
+            <a:endParaRPr lang="en-US"/>
+          </a:p>
+          <a:p>
+            <a:r>
+              <a:rPr lang="en-US"/>
+              <a:t>Table</a:t>
+            </a:r>
+            <a:endParaRPr lang="en-AU"/>
+          </a:p>
+        </p:txBody>
+      </p:sp>
+      <p:sp>
+        <p:nvSpPr>
+          <p:cNvPr id="10" name="TextBox 9">
+            <a:extLst>
+              <a:ext uri="{FF2B5EF4-FFF2-40B4-BE49-F238E27FC236}">
+                <a16:creationId xmlns:a16="http://schemas.microsoft.com/office/drawing/2014/main" id="{49DEE2E1-F97A-55E0-FAFC-37927DCA6366}"/>
+              </a:ext>
+            </a:extLst>
+          </p:cNvPr>
+          <p:cNvSpPr txBox="1"/>
+          <p:nvPr/>
+        </p:nvSpPr>
+        <p:spPr>
+          <a:xfrm>
+            <a:off x="696141" y="3345750"/>
+            <a:ext cx="1800000" cy="646331"/>
+          </a:xfrm>
+          <a:prstGeom prst="rect">
+            <a:avLst/>
+          </a:prstGeom>
+          <a:solidFill>
+            <a:schemeClr val="accent5">
+              <a:alpha val="50000"/>
+            </a:schemeClr>
+          </a:solidFill>
+          <a:ln>
+            <a:noFill/>
+          </a:ln>
+        </p:spPr>
+        <p:style>
+          <a:lnRef idx="0">
+            <a:scrgbClr r="0" g="0" b="0"/>
+          </a:lnRef>
+          <a:fillRef idx="0">
+            <a:scrgbClr r="0" g="0" b="0"/>
+          </a:fillRef>
+          <a:effectRef idx="0">
+            <a:scrgbClr r="0" g="0" b="0"/>
+          </a:effectRef>
+          <a:fontRef idx="minor">
+            <a:schemeClr val="lt1"/>
+          </a:fontRef>
+        </p:style>
+        <p:txBody>
+          <a:bodyPr wrap="square">
+            <a:spAutoFit/>
+          </a:bodyPr>
+          <a:lstStyle/>
+          <a:p>
+            <a:r>
+              <a:rPr lang="en-US" err="1"/>
+              <a:t>followUpCmd</a:t>
+            </a:r>
+            <a:r>
+              <a:rPr lang="en-US"/>
+              <a:t> Table</a:t>
+            </a:r>
+          </a:p>
+        </p:txBody>
+      </p:sp>
+      <p:sp>
+        <p:nvSpPr>
+          <p:cNvPr id="12" name="TextBox 11">
+            <a:extLst>
+              <a:ext uri="{FF2B5EF4-FFF2-40B4-BE49-F238E27FC236}">
+                <a16:creationId xmlns:a16="http://schemas.microsoft.com/office/drawing/2014/main" id="{D99F4D1F-8727-D461-5EFC-55B3120797F1}"/>
+              </a:ext>
+            </a:extLst>
+          </p:cNvPr>
+          <p:cNvSpPr txBox="1"/>
+          <p:nvPr/>
+        </p:nvSpPr>
+        <p:spPr>
+          <a:xfrm>
+            <a:off x="3892044" y="5839970"/>
+            <a:ext cx="1800000" cy="646331"/>
+          </a:xfrm>
+          <a:prstGeom prst="rect">
+            <a:avLst/>
+          </a:prstGeom>
+          <a:solidFill>
+            <a:schemeClr val="accent5">
+              <a:alpha val="50000"/>
+            </a:schemeClr>
+          </a:solidFill>
+          <a:ln>
+            <a:noFill/>
+          </a:ln>
+        </p:spPr>
+        <p:style>
+          <a:lnRef idx="0">
+            <a:scrgbClr r="0" g="0" b="0"/>
+          </a:lnRef>
+          <a:fillRef idx="0">
+            <a:scrgbClr r="0" g="0" b="0"/>
+          </a:fillRef>
+          <a:effectRef idx="0">
+            <a:scrgbClr r="0" g="0" b="0"/>
+          </a:effectRef>
+          <a:fontRef idx="minor">
+            <a:schemeClr val="lt1"/>
+          </a:fontRef>
+        </p:style>
+        <p:txBody>
+          <a:bodyPr wrap="square">
+            <a:spAutoFit/>
+          </a:bodyPr>
+          <a:lstStyle/>
+          <a:p>
+            <a:r>
+              <a:rPr lang="en-US" err="1"/>
+              <a:t>followUpEvent</a:t>
+            </a:r>
+            <a:r>
+              <a:rPr lang="en-US"/>
+              <a:t> Table</a:t>
+            </a:r>
+            <a:endParaRPr lang="en-AU"/>
+          </a:p>
+        </p:txBody>
+      </p:sp>
+      <p:sp>
+        <p:nvSpPr>
+          <p:cNvPr id="14" name="TextBox 13">
+            <a:extLst>
+              <a:ext uri="{FF2B5EF4-FFF2-40B4-BE49-F238E27FC236}">
+                <a16:creationId xmlns:a16="http://schemas.microsoft.com/office/drawing/2014/main" id="{2B983C9E-E650-FDDE-4D05-BEC49B8CF1E2}"/>
+              </a:ext>
+            </a:extLst>
+          </p:cNvPr>
+          <p:cNvSpPr txBox="1"/>
+          <p:nvPr/>
+        </p:nvSpPr>
+        <p:spPr>
+          <a:xfrm>
+            <a:off x="1478279" y="5315709"/>
+            <a:ext cx="2256288" cy="646331"/>
+          </a:xfrm>
+          <a:prstGeom prst="rect">
+            <a:avLst/>
+          </a:prstGeom>
+          <a:solidFill>
+            <a:schemeClr val="accent5">
+              <a:alpha val="50000"/>
+            </a:schemeClr>
+          </a:solidFill>
+          <a:ln>
+            <a:noFill/>
+          </a:ln>
+        </p:spPr>
+        <p:style>
+          <a:lnRef idx="0">
+            <a:scrgbClr r="0" g="0" b="0"/>
+          </a:lnRef>
+          <a:fillRef idx="0">
+            <a:scrgbClr r="0" g="0" b="0"/>
+          </a:fillRef>
+          <a:effectRef idx="0">
+            <a:scrgbClr r="0" g="0" b="0"/>
+          </a:effectRef>
+          <a:fontRef idx="minor">
+            <a:schemeClr val="lt1"/>
+          </a:fontRef>
+        </p:style>
+        <p:txBody>
+          <a:bodyPr wrap="square">
+            <a:spAutoFit/>
+          </a:bodyPr>
+          <a:lstStyle/>
+          <a:p>
+            <a:r>
+              <a:rPr lang="en-US" err="1"/>
+              <a:t>followUpShareEvent</a:t>
+            </a:r>
+            <a:r>
+              <a:rPr lang="en-US"/>
+              <a:t> Table</a:t>
+            </a:r>
+          </a:p>
+        </p:txBody>
+      </p:sp>
+      <p:sp>
+        <p:nvSpPr>
+          <p:cNvPr id="15" name="TextBox 14">
+            <a:extLst>
+              <a:ext uri="{FF2B5EF4-FFF2-40B4-BE49-F238E27FC236}">
+                <a16:creationId xmlns:a16="http://schemas.microsoft.com/office/drawing/2014/main" id="{277138AE-6C8A-047C-237B-F1EA8FFD557A}"/>
+              </a:ext>
+            </a:extLst>
+          </p:cNvPr>
+          <p:cNvSpPr txBox="1"/>
+          <p:nvPr/>
+        </p:nvSpPr>
+        <p:spPr>
+          <a:xfrm>
+            <a:off x="382039" y="1785840"/>
+            <a:ext cx="1800000" cy="646331"/>
+          </a:xfrm>
+          <a:prstGeom prst="rect">
+            <a:avLst/>
+          </a:prstGeom>
+          <a:solidFill>
+            <a:schemeClr val="dk1">
+              <a:alpha val="50000"/>
+            </a:schemeClr>
+          </a:solidFill>
+          <a:ln>
+            <a:noFill/>
+          </a:ln>
+        </p:spPr>
+        <p:style>
+          <a:lnRef idx="0">
+            <a:scrgbClr r="0" g="0" b="0"/>
+          </a:lnRef>
+          <a:fillRef idx="0">
+            <a:scrgbClr r="0" g="0" b="0"/>
+          </a:fillRef>
+          <a:effectRef idx="0">
+            <a:scrgbClr r="0" g="0" b="0"/>
+          </a:effectRef>
+          <a:fontRef idx="minor">
+            <a:schemeClr val="lt1"/>
+          </a:fontRef>
+        </p:style>
+        <p:txBody>
+          <a:bodyPr wrap="square">
+            <a:spAutoFit/>
+          </a:bodyPr>
+          <a:lstStyle/>
+          <a:p>
+            <a:r>
+              <a:rPr lang="en-US" err="1"/>
+              <a:t>sendFollowUp</a:t>
+            </a:r>
+            <a:r>
+              <a:rPr lang="en-US"/>
+              <a:t> button</a:t>
+            </a:r>
+          </a:p>
+        </p:txBody>
+      </p:sp>
+      <p:sp>
+        <p:nvSpPr>
+          <p:cNvPr id="16" name="TextBox 15">
+            <a:extLst>
+              <a:ext uri="{FF2B5EF4-FFF2-40B4-BE49-F238E27FC236}">
+                <a16:creationId xmlns:a16="http://schemas.microsoft.com/office/drawing/2014/main" id="{FCAB5A04-45B0-B8DC-F4C4-BC5E7D49B1F6}"/>
+              </a:ext>
+            </a:extLst>
+          </p:cNvPr>
+          <p:cNvSpPr txBox="1"/>
+          <p:nvPr/>
+        </p:nvSpPr>
+        <p:spPr>
+          <a:xfrm>
+            <a:off x="3382224" y="1785840"/>
+            <a:ext cx="1800000" cy="646331"/>
+          </a:xfrm>
+          <a:prstGeom prst="rect">
+            <a:avLst/>
+          </a:prstGeom>
+        </p:spPr>
+        <p:style>
+          <a:lnRef idx="3">
+            <a:schemeClr val="lt1"/>
+          </a:lnRef>
+          <a:fillRef idx="1">
+            <a:schemeClr val="accent4"/>
+          </a:fillRef>
+          <a:effectRef idx="1">
+            <a:schemeClr val="accent4"/>
+          </a:effectRef>
+          <a:fontRef idx="minor">
+            <a:schemeClr val="lt1"/>
+          </a:fontRef>
+        </p:style>
+        <p:txBody>
+          <a:bodyPr wrap="square">
+            <a:spAutoFit/>
+          </a:bodyPr>
+          <a:lstStyle/>
+          <a:p>
+            <a:r>
+              <a:rPr lang="en-US" err="1"/>
+              <a:t>sendFollowUp</a:t>
+            </a:r>
+            <a:r>
+              <a:rPr lang="en-US"/>
+              <a:t> API</a:t>
+            </a:r>
+          </a:p>
+        </p:txBody>
+      </p:sp>
+      <p:cxnSp>
+        <p:nvCxnSpPr>
+          <p:cNvPr id="18" name="Straight Arrow Connector 17">
+            <a:extLst>
+              <a:ext uri="{FF2B5EF4-FFF2-40B4-BE49-F238E27FC236}">
+                <a16:creationId xmlns:a16="http://schemas.microsoft.com/office/drawing/2014/main" id="{83DB1B8C-DE95-7C99-9496-8A9B7EE731A2}"/>
+              </a:ext>
+            </a:extLst>
+          </p:cNvPr>
+          <p:cNvCxnSpPr>
+            <a:stCxn id="15" idx="3"/>
+            <a:endCxn id="16" idx="1"/>
+          </p:cNvCxnSpPr>
+          <p:nvPr/>
+        </p:nvCxnSpPr>
+        <p:spPr>
+          <a:xfrm>
+            <a:off x="2182039" y="2109006"/>
+            <a:ext cx="1200185" cy="0"/>
+          </a:xfrm>
+          <a:prstGeom prst="straightConnector1">
+            <a:avLst/>
+          </a:prstGeom>
+          <a:ln>
+            <a:tailEnd type="triangle"/>
+          </a:ln>
+        </p:spPr>
+        <p:style>
+          <a:lnRef idx="2">
+            <a:schemeClr val="accent1"/>
+          </a:lnRef>
+          <a:fillRef idx="0">
+            <a:schemeClr val="accent1"/>
+          </a:fillRef>
+          <a:effectRef idx="1">
+            <a:schemeClr val="accent1"/>
+          </a:effectRef>
+          <a:fontRef idx="minor">
+            <a:schemeClr val="tx1"/>
+          </a:fontRef>
+        </p:style>
+      </p:cxnSp>
+      <p:cxnSp>
+        <p:nvCxnSpPr>
+          <p:cNvPr id="20" name="Straight Arrow Connector 19">
+            <a:extLst>
+              <a:ext uri="{FF2B5EF4-FFF2-40B4-BE49-F238E27FC236}">
+                <a16:creationId xmlns:a16="http://schemas.microsoft.com/office/drawing/2014/main" id="{5BC1449C-BA45-D32A-9FB1-A1DAC788C718}"/>
+              </a:ext>
+            </a:extLst>
+          </p:cNvPr>
+          <p:cNvCxnSpPr>
+            <a:stCxn id="16" idx="3"/>
+            <a:endCxn id="10" idx="1"/>
+          </p:cNvCxnSpPr>
+          <p:nvPr/>
+        </p:nvCxnSpPr>
+        <p:spPr>
+          <a:xfrm flipH="1">
+            <a:off x="696141" y="2109006"/>
+            <a:ext cx="4486083" cy="1559910"/>
+          </a:xfrm>
+          <a:prstGeom prst="bentConnector5">
+            <a:avLst>
+              <a:gd name="adj1" fmla="val -5096"/>
+              <a:gd name="adj2" fmla="val 50000"/>
+              <a:gd name="adj3" fmla="val 105096"/>
+            </a:avLst>
+          </a:prstGeom>
+          <a:ln>
+            <a:tailEnd type="triangle"/>
+          </a:ln>
+        </p:spPr>
+        <p:style>
+          <a:lnRef idx="2">
+            <a:schemeClr val="accent1"/>
+          </a:lnRef>
+          <a:fillRef idx="0">
+            <a:schemeClr val="accent1"/>
+          </a:fillRef>
+          <a:effectRef idx="1">
+            <a:schemeClr val="accent1"/>
+          </a:effectRef>
+          <a:fontRef idx="minor">
+            <a:schemeClr val="tx1"/>
+          </a:fontRef>
+        </p:style>
+      </p:cxnSp>
+      <p:sp>
+        <p:nvSpPr>
+          <p:cNvPr id="23" name="TextBox 22">
+            <a:extLst>
+              <a:ext uri="{FF2B5EF4-FFF2-40B4-BE49-F238E27FC236}">
+                <a16:creationId xmlns:a16="http://schemas.microsoft.com/office/drawing/2014/main" id="{0E305A01-F180-1409-8013-05950D205E6F}"/>
+              </a:ext>
+            </a:extLst>
+          </p:cNvPr>
+          <p:cNvSpPr txBox="1"/>
+          <p:nvPr/>
+        </p:nvSpPr>
+        <p:spPr>
+          <a:xfrm>
+            <a:off x="3240165" y="3346676"/>
+            <a:ext cx="1800000" cy="646331"/>
+          </a:xfrm>
+          <a:prstGeom prst="rect">
+            <a:avLst/>
+          </a:prstGeom>
+        </p:spPr>
+        <p:style>
+          <a:lnRef idx="3">
+            <a:schemeClr val="lt1"/>
+          </a:lnRef>
+          <a:fillRef idx="1">
+            <a:schemeClr val="accent4"/>
+          </a:fillRef>
+          <a:effectRef idx="1">
+            <a:schemeClr val="accent4"/>
+          </a:effectRef>
+          <a:fontRef idx="minor">
+            <a:schemeClr val="lt1"/>
+          </a:fontRef>
+        </p:style>
+        <p:txBody>
+          <a:bodyPr wrap="square">
+            <a:spAutoFit/>
+          </a:bodyPr>
+          <a:lstStyle/>
+          <a:p>
+            <a:r>
               <a:rPr lang="en-US" err="1"/>
               <a:t>sendFollowUp</a:t>
             </a:r>
@@ -3990,7 +7592,7 @@
           <p:cNvPr id="25" name="Straight Arrow Connector 24">
             <a:extLst>
               <a:ext uri="{FF2B5EF4-FFF2-40B4-BE49-F238E27FC236}">
-                <a16:creationId xmlns:a16="http://schemas.microsoft.com/office/drawing/2014/main" id="{01BB57FA-3A25-682B-986C-AE1A6FBA90DE}"/>
+                <a16:creationId xmlns:a16="http://schemas.microsoft.com/office/drawing/2014/main" id="{B481D5BE-AF0B-84C9-F432-D13E17716CA0}"/>
               </a:ext>
             </a:extLst>
           </p:cNvPr>
@@ -4033,20 +7635,21 @@
           <p:cNvPr id="28" name="Straight Arrow Connector 27">
             <a:extLst>
               <a:ext uri="{FF2B5EF4-FFF2-40B4-BE49-F238E27FC236}">
-                <a16:creationId xmlns:a16="http://schemas.microsoft.com/office/drawing/2014/main" id="{4B6BC4D1-1DD1-C6CC-FCCF-3CA5A8B4407A}"/>
+                <a16:creationId xmlns:a16="http://schemas.microsoft.com/office/drawing/2014/main" id="{54650BB5-F163-6087-E3E9-5D6BDA1AF9E2}"/>
               </a:ext>
             </a:extLst>
           </p:cNvPr>
           <p:cNvCxnSpPr>
+            <a:cxnSpLocks/>
             <a:stCxn id="23" idx="2"/>
-            <a:endCxn id="12" idx="3"/>
+            <a:endCxn id="12" idx="0"/>
           </p:cNvCxnSpPr>
           <p:nvPr/>
         </p:nvCxnSpPr>
         <p:spPr>
-          <a:xfrm flipH="1">
-            <a:off x="2655330" y="3993007"/>
-            <a:ext cx="1484835" cy="1044348"/>
+          <a:xfrm>
+            <a:off x="4140165" y="3993007"/>
+            <a:ext cx="651879" cy="1846963"/>
           </a:xfrm>
           <a:prstGeom prst="straightConnector1">
             <a:avLst/>
@@ -4075,7 +7678,7 @@
           <p:cNvPr id="30" name="Straight Arrow Connector 29">
             <a:extLst>
               <a:ext uri="{FF2B5EF4-FFF2-40B4-BE49-F238E27FC236}">
-                <a16:creationId xmlns:a16="http://schemas.microsoft.com/office/drawing/2014/main" id="{392299B6-94EA-4549-A5E2-CED95448B108}"/>
+                <a16:creationId xmlns:a16="http://schemas.microsoft.com/office/drawing/2014/main" id="{90A96BDC-BD6A-4C28-9BCC-DA8A228ABF2B}"/>
               </a:ext>
             </a:extLst>
           </p:cNvPr>
@@ -4087,9 +7690,9 @@
           <p:nvPr/>
         </p:nvCxnSpPr>
         <p:spPr>
-          <a:xfrm>
-            <a:off x="4140165" y="3993007"/>
-            <a:ext cx="512667" cy="1645868"/>
+          <a:xfrm flipH="1">
+            <a:off x="2606423" y="3993007"/>
+            <a:ext cx="1533742" cy="1322702"/>
           </a:xfrm>
           <a:prstGeom prst="straightConnector1">
             <a:avLst/>
@@ -4118,7 +7721,7 @@
           <p:cNvPr id="32" name="Straight Arrow Connector 31">
             <a:extLst>
               <a:ext uri="{FF2B5EF4-FFF2-40B4-BE49-F238E27FC236}">
-                <a16:creationId xmlns:a16="http://schemas.microsoft.com/office/drawing/2014/main" id="{AE6A48FB-5D99-AF68-D516-CD7FA3E8CD25}"/>
+                <a16:creationId xmlns:a16="http://schemas.microsoft.com/office/drawing/2014/main" id="{B6707E01-A60D-26C9-13B9-6CDC22D8441A}"/>
               </a:ext>
             </a:extLst>
           </p:cNvPr>
@@ -4130,8 +7733,8 @@
         </p:nvCxnSpPr>
         <p:spPr>
           <a:xfrm flipH="1">
-            <a:off x="2340165" y="3993007"/>
-            <a:ext cx="1800000" cy="1690679"/>
+            <a:off x="1706423" y="3993007"/>
+            <a:ext cx="2433742" cy="499768"/>
           </a:xfrm>
           <a:prstGeom prst="straightConnector1">
             <a:avLst/>
@@ -4160,7 +7763,7 @@
           <p:cNvPr id="36" name="Straight Arrow Connector 35">
             <a:extLst>
               <a:ext uri="{FF2B5EF4-FFF2-40B4-BE49-F238E27FC236}">
-                <a16:creationId xmlns:a16="http://schemas.microsoft.com/office/drawing/2014/main" id="{8F981739-F8FF-BA2D-3C30-53624415B4F9}"/>
+                <a16:creationId xmlns:a16="http://schemas.microsoft.com/office/drawing/2014/main" id="{A228CAC9-4BD9-45B5-27CC-F3F6EA4D3E3B}"/>
               </a:ext>
             </a:extLst>
           </p:cNvPr>
@@ -4203,7 +7806,7 @@
           <p:cNvPr id="38" name="TextBox 37">
             <a:extLst>
               <a:ext uri="{FF2B5EF4-FFF2-40B4-BE49-F238E27FC236}">
-                <a16:creationId xmlns:a16="http://schemas.microsoft.com/office/drawing/2014/main" id="{CA1A5BC9-2089-82A3-F087-654BDA037975}"/>
+                <a16:creationId xmlns:a16="http://schemas.microsoft.com/office/drawing/2014/main" id="{06451D55-64E9-9ABB-9F5C-CF447F357397}"/>
               </a:ext>
             </a:extLst>
           </p:cNvPr>
@@ -4238,7 +7841,7 @@
           <p:cNvPr id="42" name="TextBox 41">
             <a:extLst>
               <a:ext uri="{FF2B5EF4-FFF2-40B4-BE49-F238E27FC236}">
-                <a16:creationId xmlns:a16="http://schemas.microsoft.com/office/drawing/2014/main" id="{4FFBA2A7-E430-7CD0-718D-E1931F056469}"/>
+                <a16:creationId xmlns:a16="http://schemas.microsoft.com/office/drawing/2014/main" id="{844FDAC3-A7C7-DDF5-C818-D7F0768E99BE}"/>
               </a:ext>
             </a:extLst>
           </p:cNvPr>
@@ -4415,7 +8018,7 @@
           <p:cNvPr id="52" name="TextBox 51">
             <a:extLst>
               <a:ext uri="{FF2B5EF4-FFF2-40B4-BE49-F238E27FC236}">
-                <a16:creationId xmlns:a16="http://schemas.microsoft.com/office/drawing/2014/main" id="{9A6FF6F2-84B2-693F-E3B0-14372834DB34}"/>
+                <a16:creationId xmlns:a16="http://schemas.microsoft.com/office/drawing/2014/main" id="{107ADD39-9554-E3C7-FFBD-542C204DC0A2}"/>
               </a:ext>
             </a:extLst>
           </p:cNvPr>
@@ -4457,7 +8060,7 @@
     </p:spTree>
     <p:extLst>
       <p:ext uri="{BB962C8B-B14F-4D97-AF65-F5344CB8AC3E}">
-        <p14:creationId xmlns:p14="http://schemas.microsoft.com/office/powerpoint/2010/main" val="315739175"/>
+        <p14:creationId xmlns:p14="http://schemas.microsoft.com/office/powerpoint/2010/main" val="3704036678"/>
       </p:ext>
     </p:extLst>
   </p:cSld>

--- a/Documentation/FollowUp event flow.pptx
+++ b/Documentation/FollowUp event flow.pptx
@@ -5,9 +5,10 @@
     <p:sldMasterId id="2147483648" r:id="rId1"/>
   </p:sldMasterIdLst>
   <p:sldIdLst>
-    <p:sldId id="259" r:id="rId2"/>
-    <p:sldId id="256" r:id="rId3"/>
-    <p:sldId id="257" r:id="rId4"/>
+    <p:sldId id="260" r:id="rId2"/>
+    <p:sldId id="259" r:id="rId3"/>
+    <p:sldId id="256" r:id="rId4"/>
+    <p:sldId id="257" r:id="rId5"/>
   </p:sldIdLst>
   <p:sldSz cx="12192000" cy="6858000"/>
   <p:notesSz cx="6858000" cy="9144000"/>
@@ -271,7 +272,7 @@
           <a:p>
             <a:fld id="{BB157419-990A-4C7F-97F8-64C9C24BD6CA}" type="datetimeFigureOut">
               <a:rPr lang="en-AU" smtClean="0"/>
-              <a:t>30/04/2025</a:t>
+              <a:t>4/05/2025</a:t>
             </a:fld>
             <a:endParaRPr lang="en-AU"/>
           </a:p>
@@ -471,7 +472,7 @@
           <a:p>
             <a:fld id="{BB157419-990A-4C7F-97F8-64C9C24BD6CA}" type="datetimeFigureOut">
               <a:rPr lang="en-AU" smtClean="0"/>
-              <a:t>30/04/2025</a:t>
+              <a:t>4/05/2025</a:t>
             </a:fld>
             <a:endParaRPr lang="en-AU"/>
           </a:p>
@@ -681,7 +682,7 @@
           <a:p>
             <a:fld id="{BB157419-990A-4C7F-97F8-64C9C24BD6CA}" type="datetimeFigureOut">
               <a:rPr lang="en-AU" smtClean="0"/>
-              <a:t>30/04/2025</a:t>
+              <a:t>4/05/2025</a:t>
             </a:fld>
             <a:endParaRPr lang="en-AU"/>
           </a:p>
@@ -881,7 +882,7 @@
           <a:p>
             <a:fld id="{BB157419-990A-4C7F-97F8-64C9C24BD6CA}" type="datetimeFigureOut">
               <a:rPr lang="en-AU" smtClean="0"/>
-              <a:t>30/04/2025</a:t>
+              <a:t>4/05/2025</a:t>
             </a:fld>
             <a:endParaRPr lang="en-AU"/>
           </a:p>
@@ -1157,7 +1158,7 @@
           <a:p>
             <a:fld id="{BB157419-990A-4C7F-97F8-64C9C24BD6CA}" type="datetimeFigureOut">
               <a:rPr lang="en-AU" smtClean="0"/>
-              <a:t>30/04/2025</a:t>
+              <a:t>4/05/2025</a:t>
             </a:fld>
             <a:endParaRPr lang="en-AU"/>
           </a:p>
@@ -1425,7 +1426,7 @@
           <a:p>
             <a:fld id="{BB157419-990A-4C7F-97F8-64C9C24BD6CA}" type="datetimeFigureOut">
               <a:rPr lang="en-AU" smtClean="0"/>
-              <a:t>30/04/2025</a:t>
+              <a:t>4/05/2025</a:t>
             </a:fld>
             <a:endParaRPr lang="en-AU"/>
           </a:p>
@@ -1840,7 +1841,7 @@
           <a:p>
             <a:fld id="{BB157419-990A-4C7F-97F8-64C9C24BD6CA}" type="datetimeFigureOut">
               <a:rPr lang="en-AU" smtClean="0"/>
-              <a:t>30/04/2025</a:t>
+              <a:t>4/05/2025</a:t>
             </a:fld>
             <a:endParaRPr lang="en-AU"/>
           </a:p>
@@ -1982,7 +1983,7 @@
           <a:p>
             <a:fld id="{BB157419-990A-4C7F-97F8-64C9C24BD6CA}" type="datetimeFigureOut">
               <a:rPr lang="en-AU" smtClean="0"/>
-              <a:t>30/04/2025</a:t>
+              <a:t>4/05/2025</a:t>
             </a:fld>
             <a:endParaRPr lang="en-AU"/>
           </a:p>
@@ -2095,7 +2096,7 @@
           <a:p>
             <a:fld id="{BB157419-990A-4C7F-97F8-64C9C24BD6CA}" type="datetimeFigureOut">
               <a:rPr lang="en-AU" smtClean="0"/>
-              <a:t>30/04/2025</a:t>
+              <a:t>4/05/2025</a:t>
             </a:fld>
             <a:endParaRPr lang="en-AU"/>
           </a:p>
@@ -2408,7 +2409,7 @@
           <a:p>
             <a:fld id="{BB157419-990A-4C7F-97F8-64C9C24BD6CA}" type="datetimeFigureOut">
               <a:rPr lang="en-AU" smtClean="0"/>
-              <a:t>30/04/2025</a:t>
+              <a:t>4/05/2025</a:t>
             </a:fld>
             <a:endParaRPr lang="en-AU"/>
           </a:p>
@@ -2697,7 +2698,7 @@
           <a:p>
             <a:fld id="{BB157419-990A-4C7F-97F8-64C9C24BD6CA}" type="datetimeFigureOut">
               <a:rPr lang="en-AU" smtClean="0"/>
-              <a:t>30/04/2025</a:t>
+              <a:t>4/05/2025</a:t>
             </a:fld>
             <a:endParaRPr lang="en-AU"/>
           </a:p>
@@ -2940,7 +2941,7 @@
           <a:p>
             <a:fld id="{BB157419-990A-4C7F-97F8-64C9C24BD6CA}" type="datetimeFigureOut">
               <a:rPr lang="en-AU" smtClean="0"/>
-              <a:t>30/04/2025</a:t>
+              <a:t>4/05/2025</a:t>
             </a:fld>
             <a:endParaRPr lang="en-AU"/>
           </a:p>
@@ -3348,6 +3349,810 @@
         <p:cNvPr id="1" name="">
           <a:extLst>
             <a:ext uri="{FF2B5EF4-FFF2-40B4-BE49-F238E27FC236}">
+              <a16:creationId xmlns:a16="http://schemas.microsoft.com/office/drawing/2014/main" id="{0C40436B-CC88-A222-D536-4CE01653D473}"/>
+            </a:ext>
+          </a:extLst>
+        </p:cNvPr>
+        <p:cNvGrpSpPr/>
+        <p:nvPr/>
+      </p:nvGrpSpPr>
+      <p:grpSpPr>
+        <a:xfrm>
+          <a:off x="0" y="0"/>
+          <a:ext cx="0" cy="0"/>
+          <a:chOff x="0" y="0"/>
+          <a:chExt cx="0" cy="0"/>
+        </a:xfrm>
+      </p:grpSpPr>
+      <p:sp>
+        <p:nvSpPr>
+          <p:cNvPr id="4" name="Title 3">
+            <a:extLst>
+              <a:ext uri="{FF2B5EF4-FFF2-40B4-BE49-F238E27FC236}">
+                <a16:creationId xmlns:a16="http://schemas.microsoft.com/office/drawing/2014/main" id="{1366B748-AA68-1CFB-BE92-C27D5670E42D}"/>
+              </a:ext>
+            </a:extLst>
+          </p:cNvPr>
+          <p:cNvSpPr>
+            <a:spLocks noGrp="1"/>
+          </p:cNvSpPr>
+          <p:nvPr>
+            <p:ph type="title"/>
+          </p:nvPr>
+        </p:nvSpPr>
+        <p:spPr>
+          <a:xfrm>
+            <a:off x="62395" y="0"/>
+            <a:ext cx="5745330" cy="642627"/>
+          </a:xfrm>
+        </p:spPr>
+        <p:txBody>
+          <a:bodyPr>
+            <a:normAutofit fontScale="90000"/>
+          </a:bodyPr>
+          <a:lstStyle/>
+          <a:p>
+            <a:r>
+              <a:rPr lang="en-AU" dirty="0"/>
+              <a:t>Event Sourcing Pattern</a:t>
+            </a:r>
+          </a:p>
+        </p:txBody>
+      </p:sp>
+      <p:sp>
+        <p:nvSpPr>
+          <p:cNvPr id="42" name="TextBox 41">
+            <a:extLst>
+              <a:ext uri="{FF2B5EF4-FFF2-40B4-BE49-F238E27FC236}">
+                <a16:creationId xmlns:a16="http://schemas.microsoft.com/office/drawing/2014/main" id="{1225C1F9-DDE1-4FE2-85FC-CDB1DB33EEDD}"/>
+              </a:ext>
+            </a:extLst>
+          </p:cNvPr>
+          <p:cNvSpPr txBox="1"/>
+          <p:nvPr/>
+        </p:nvSpPr>
+        <p:spPr>
+          <a:xfrm>
+            <a:off x="62394" y="701561"/>
+            <a:ext cx="7410873" cy="5632311"/>
+          </a:xfrm>
+          <a:prstGeom prst="rect">
+            <a:avLst/>
+          </a:prstGeom>
+          <a:noFill/>
+        </p:spPr>
+        <p:txBody>
+          <a:bodyPr wrap="square">
+            <a:spAutoFit/>
+          </a:bodyPr>
+          <a:lstStyle/>
+          <a:p>
+            <a:r>
+              <a:rPr lang="en-AU" sz="2400" dirty="0"/>
+              <a:t>The application uses the following Event Sourcing design pattern.</a:t>
+            </a:r>
+          </a:p>
+          <a:p>
+            <a:endParaRPr lang="en-AU" sz="2400" dirty="0"/>
+          </a:p>
+          <a:p>
+            <a:pPr marL="457200" indent="-457200">
+              <a:buFont typeface="+mj-lt"/>
+              <a:buAutoNum type="arabicPeriod"/>
+            </a:pPr>
+            <a:r>
+              <a:rPr lang="en-AU" sz="2400" dirty="0"/>
+              <a:t>Users interact with a Button (any UI control)  which then calls a Command API.</a:t>
+            </a:r>
+          </a:p>
+          <a:p>
+            <a:pPr marL="457200" indent="-457200">
+              <a:buFont typeface="+mj-lt"/>
+              <a:buAutoNum type="arabicPeriod"/>
+            </a:pPr>
+            <a:r>
+              <a:rPr lang="en-AU" sz="2400" dirty="0"/>
+              <a:t>The Command API puts a command on the Service bus queue.</a:t>
+            </a:r>
+          </a:p>
+          <a:p>
+            <a:pPr marL="457200" indent="-457200">
+              <a:buFont typeface="+mj-lt"/>
+              <a:buAutoNum type="arabicPeriod"/>
+            </a:pPr>
+            <a:r>
+              <a:rPr lang="en-AU" sz="2400" dirty="0"/>
+              <a:t>The service bus triggers an internal function</a:t>
+            </a:r>
+          </a:p>
+          <a:p>
+            <a:pPr marL="457200" indent="-457200">
+              <a:buFont typeface="+mj-lt"/>
+              <a:buAutoNum type="arabicPeriod"/>
+            </a:pPr>
+            <a:r>
+              <a:rPr lang="en-AU" sz="2400" dirty="0"/>
+              <a:t>The function executes the command and puts an event on the service bus queue.</a:t>
+            </a:r>
+          </a:p>
+          <a:p>
+            <a:pPr marL="457200" indent="-457200">
+              <a:buFont typeface="+mj-lt"/>
+              <a:buAutoNum type="arabicPeriod"/>
+            </a:pPr>
+            <a:r>
+              <a:rPr lang="en-AU" sz="2400" dirty="0"/>
+              <a:t>The UI polls the service bus and receive the event notification. It shows an indicator to the user that the action is finished and/or any relevant errors.</a:t>
+            </a:r>
+          </a:p>
+          <a:p>
+            <a:endParaRPr lang="en-AU" sz="2400" dirty="0"/>
+          </a:p>
+          <a:p>
+            <a:endParaRPr lang="en-AU" sz="2400" dirty="0"/>
+          </a:p>
+        </p:txBody>
+      </p:sp>
+      <p:sp>
+        <p:nvSpPr>
+          <p:cNvPr id="16" name="Rectangle 15">
+            <a:extLst>
+              <a:ext uri="{FF2B5EF4-FFF2-40B4-BE49-F238E27FC236}">
+                <a16:creationId xmlns:a16="http://schemas.microsoft.com/office/drawing/2014/main" id="{F0ED6351-6B14-1183-E40B-8314FBBB2C2E}"/>
+              </a:ext>
+            </a:extLst>
+          </p:cNvPr>
+          <p:cNvSpPr/>
+          <p:nvPr/>
+        </p:nvSpPr>
+        <p:spPr>
+          <a:xfrm>
+            <a:off x="8002011" y="873707"/>
+            <a:ext cx="3513991" cy="845168"/>
+          </a:xfrm>
+          <a:prstGeom prst="rect">
+            <a:avLst/>
+          </a:prstGeom>
+        </p:spPr>
+        <p:style>
+          <a:lnRef idx="2">
+            <a:schemeClr val="accent6"/>
+          </a:lnRef>
+          <a:fillRef idx="1">
+            <a:schemeClr val="lt1"/>
+          </a:fillRef>
+          <a:effectRef idx="0">
+            <a:schemeClr val="accent6"/>
+          </a:effectRef>
+          <a:fontRef idx="minor">
+            <a:schemeClr val="dk1"/>
+          </a:fontRef>
+        </p:style>
+        <p:txBody>
+          <a:bodyPr rtlCol="0" anchor="t">
+            <a:noAutofit/>
+          </a:bodyPr>
+          <a:lstStyle/>
+          <a:p>
+            <a:r>
+              <a:rPr lang="en-AU" sz="1600" dirty="0"/>
+              <a:t>UI</a:t>
+            </a:r>
+          </a:p>
+        </p:txBody>
+      </p:sp>
+      <p:sp>
+        <p:nvSpPr>
+          <p:cNvPr id="17" name="Rectangle 16">
+            <a:extLst>
+              <a:ext uri="{FF2B5EF4-FFF2-40B4-BE49-F238E27FC236}">
+                <a16:creationId xmlns:a16="http://schemas.microsoft.com/office/drawing/2014/main" id="{4F6CE53B-70C3-1649-45FA-3C7E87D01BA1}"/>
+              </a:ext>
+            </a:extLst>
+          </p:cNvPr>
+          <p:cNvSpPr/>
+          <p:nvPr/>
+        </p:nvSpPr>
+        <p:spPr>
+          <a:xfrm>
+            <a:off x="8002012" y="1834773"/>
+            <a:ext cx="3513995" cy="2321748"/>
+          </a:xfrm>
+          <a:prstGeom prst="rect">
+            <a:avLst/>
+          </a:prstGeom>
+        </p:spPr>
+        <p:style>
+          <a:lnRef idx="2">
+            <a:schemeClr val="accent6"/>
+          </a:lnRef>
+          <a:fillRef idx="1">
+            <a:schemeClr val="lt1"/>
+          </a:fillRef>
+          <a:effectRef idx="0">
+            <a:schemeClr val="accent6"/>
+          </a:effectRef>
+          <a:fontRef idx="minor">
+            <a:schemeClr val="dk1"/>
+          </a:fontRef>
+        </p:style>
+        <p:txBody>
+          <a:bodyPr rtlCol="0" anchor="t">
+            <a:noAutofit/>
+          </a:bodyPr>
+          <a:lstStyle/>
+          <a:p>
+            <a:r>
+              <a:rPr lang="en-AU" sz="1600" dirty="0"/>
+              <a:t>Function App</a:t>
+            </a:r>
+          </a:p>
+        </p:txBody>
+      </p:sp>
+      <p:sp>
+        <p:nvSpPr>
+          <p:cNvPr id="18" name="Rectangle 17">
+            <a:extLst>
+              <a:ext uri="{FF2B5EF4-FFF2-40B4-BE49-F238E27FC236}">
+                <a16:creationId xmlns:a16="http://schemas.microsoft.com/office/drawing/2014/main" id="{C45ED661-ABB9-582E-CBCF-8C80E761FB40}"/>
+              </a:ext>
+            </a:extLst>
+          </p:cNvPr>
+          <p:cNvSpPr/>
+          <p:nvPr/>
+        </p:nvSpPr>
+        <p:spPr>
+          <a:xfrm>
+            <a:off x="8232193" y="2291834"/>
+            <a:ext cx="2035069" cy="360000"/>
+          </a:xfrm>
+          <a:prstGeom prst="rect">
+            <a:avLst/>
+          </a:prstGeom>
+        </p:spPr>
+        <p:style>
+          <a:lnRef idx="2">
+            <a:schemeClr val="accent6"/>
+          </a:lnRef>
+          <a:fillRef idx="1">
+            <a:schemeClr val="lt1"/>
+          </a:fillRef>
+          <a:effectRef idx="0">
+            <a:schemeClr val="accent6"/>
+          </a:effectRef>
+          <a:fontRef idx="minor">
+            <a:schemeClr val="dk1"/>
+          </a:fontRef>
+        </p:style>
+        <p:txBody>
+          <a:bodyPr rtlCol="0" anchor="t">
+            <a:noAutofit/>
+          </a:bodyPr>
+          <a:lstStyle/>
+          <a:p>
+            <a:r>
+              <a:rPr lang="en-AU" sz="1600" dirty="0"/>
+              <a:t>API</a:t>
+            </a:r>
+          </a:p>
+        </p:txBody>
+      </p:sp>
+      <p:sp>
+        <p:nvSpPr>
+          <p:cNvPr id="23" name="TextBox 22">
+            <a:extLst>
+              <a:ext uri="{FF2B5EF4-FFF2-40B4-BE49-F238E27FC236}">
+                <a16:creationId xmlns:a16="http://schemas.microsoft.com/office/drawing/2014/main" id="{4EC52B4F-07DC-C025-D7DD-62DB83B77225}"/>
+              </a:ext>
+            </a:extLst>
+          </p:cNvPr>
+          <p:cNvSpPr txBox="1"/>
+          <p:nvPr/>
+        </p:nvSpPr>
+        <p:spPr>
+          <a:xfrm>
+            <a:off x="8182012" y="1261722"/>
+            <a:ext cx="1080000" cy="307777"/>
+          </a:xfrm>
+          <a:prstGeom prst="rect">
+            <a:avLst/>
+          </a:prstGeom>
+          <a:solidFill>
+            <a:schemeClr val="dk1">
+              <a:alpha val="50000"/>
+            </a:schemeClr>
+          </a:solidFill>
+          <a:ln>
+            <a:noFill/>
+          </a:ln>
+        </p:spPr>
+        <p:style>
+          <a:lnRef idx="0">
+            <a:scrgbClr r="0" g="0" b="0"/>
+          </a:lnRef>
+          <a:fillRef idx="0">
+            <a:scrgbClr r="0" g="0" b="0"/>
+          </a:fillRef>
+          <a:effectRef idx="0">
+            <a:scrgbClr r="0" g="0" b="0"/>
+          </a:effectRef>
+          <a:fontRef idx="minor">
+            <a:schemeClr val="lt1"/>
+          </a:fontRef>
+        </p:style>
+        <p:txBody>
+          <a:bodyPr wrap="square" anchor="ctr">
+            <a:noAutofit/>
+          </a:bodyPr>
+          <a:lstStyle/>
+          <a:p>
+            <a:pPr algn="ctr"/>
+            <a:r>
+              <a:rPr lang="en-US" sz="1400" dirty="0"/>
+              <a:t>1. Button</a:t>
+            </a:r>
+          </a:p>
+        </p:txBody>
+      </p:sp>
+      <p:sp>
+        <p:nvSpPr>
+          <p:cNvPr id="25" name="Rectangle 24">
+            <a:extLst>
+              <a:ext uri="{FF2B5EF4-FFF2-40B4-BE49-F238E27FC236}">
+                <a16:creationId xmlns:a16="http://schemas.microsoft.com/office/drawing/2014/main" id="{3C8E3C8B-8EF4-E6B6-B405-1103CA03E575}"/>
+              </a:ext>
+            </a:extLst>
+          </p:cNvPr>
+          <p:cNvSpPr/>
+          <p:nvPr/>
+        </p:nvSpPr>
+        <p:spPr>
+          <a:xfrm>
+            <a:off x="8232193" y="2818127"/>
+            <a:ext cx="3193280" cy="540000"/>
+          </a:xfrm>
+          <a:prstGeom prst="rect">
+            <a:avLst/>
+          </a:prstGeom>
+        </p:spPr>
+        <p:style>
+          <a:lnRef idx="2">
+            <a:schemeClr val="accent6"/>
+          </a:lnRef>
+          <a:fillRef idx="1">
+            <a:schemeClr val="lt1"/>
+          </a:fillRef>
+          <a:effectRef idx="0">
+            <a:schemeClr val="accent6"/>
+          </a:effectRef>
+          <a:fontRef idx="minor">
+            <a:schemeClr val="dk1"/>
+          </a:fontRef>
+        </p:style>
+        <p:txBody>
+          <a:bodyPr rtlCol="0" anchor="t">
+            <a:noAutofit/>
+          </a:bodyPr>
+          <a:lstStyle/>
+          <a:p>
+            <a:r>
+              <a:rPr lang="en-AU" sz="1600" dirty="0"/>
+              <a:t>Service </a:t>
+            </a:r>
+            <a:br>
+              <a:rPr lang="en-AU" sz="1600" dirty="0"/>
+            </a:br>
+            <a:r>
+              <a:rPr lang="en-AU" sz="1600" dirty="0"/>
+              <a:t>Bus</a:t>
+            </a:r>
+          </a:p>
+        </p:txBody>
+      </p:sp>
+      <p:sp>
+        <p:nvSpPr>
+          <p:cNvPr id="27" name="TextBox 26">
+            <a:extLst>
+              <a:ext uri="{FF2B5EF4-FFF2-40B4-BE49-F238E27FC236}">
+                <a16:creationId xmlns:a16="http://schemas.microsoft.com/office/drawing/2014/main" id="{625C536D-A3EB-39FB-A2ED-679A623CE05A}"/>
+              </a:ext>
+            </a:extLst>
+          </p:cNvPr>
+          <p:cNvSpPr txBox="1"/>
+          <p:nvPr/>
+        </p:nvSpPr>
+        <p:spPr>
+          <a:xfrm>
+            <a:off x="9018517" y="3686088"/>
+            <a:ext cx="1080000" cy="307777"/>
+          </a:xfrm>
+          <a:prstGeom prst="rect">
+            <a:avLst/>
+          </a:prstGeom>
+        </p:spPr>
+        <p:style>
+          <a:lnRef idx="3">
+            <a:schemeClr val="lt1"/>
+          </a:lnRef>
+          <a:fillRef idx="1">
+            <a:schemeClr val="accent4"/>
+          </a:fillRef>
+          <a:effectRef idx="1">
+            <a:schemeClr val="accent4"/>
+          </a:effectRef>
+          <a:fontRef idx="minor">
+            <a:schemeClr val="lt1"/>
+          </a:fontRef>
+        </p:style>
+        <p:txBody>
+          <a:bodyPr wrap="square" anchor="ctr">
+            <a:noAutofit/>
+          </a:bodyPr>
+          <a:lstStyle>
+            <a:defPPr>
+              <a:defRPr lang="en-US"/>
+            </a:defPPr>
+            <a:lvl1pPr>
+              <a:defRPr sz="1400"/>
+            </a:lvl1pPr>
+          </a:lstStyle>
+          <a:p>
+            <a:pPr algn="ctr"/>
+            <a:r>
+              <a:rPr lang="en-US" dirty="0"/>
+              <a:t>3. Function</a:t>
+            </a:r>
+          </a:p>
+        </p:txBody>
+      </p:sp>
+      <p:sp>
+        <p:nvSpPr>
+          <p:cNvPr id="24" name="TextBox 23">
+            <a:extLst>
+              <a:ext uri="{FF2B5EF4-FFF2-40B4-BE49-F238E27FC236}">
+                <a16:creationId xmlns:a16="http://schemas.microsoft.com/office/drawing/2014/main" id="{5419012A-3C0F-CAE0-92E6-DBDD9C722945}"/>
+              </a:ext>
+            </a:extLst>
+          </p:cNvPr>
+          <p:cNvSpPr txBox="1"/>
+          <p:nvPr/>
+        </p:nvSpPr>
+        <p:spPr>
+          <a:xfrm>
+            <a:off x="9018517" y="2310166"/>
+            <a:ext cx="1080000" cy="995329"/>
+          </a:xfrm>
+          <a:prstGeom prst="rect">
+            <a:avLst/>
+          </a:prstGeom>
+        </p:spPr>
+        <p:style>
+          <a:lnRef idx="3">
+            <a:schemeClr val="lt1"/>
+          </a:lnRef>
+          <a:fillRef idx="1">
+            <a:schemeClr val="accent4"/>
+          </a:fillRef>
+          <a:effectRef idx="1">
+            <a:schemeClr val="accent4"/>
+          </a:effectRef>
+          <a:fontRef idx="minor">
+            <a:schemeClr val="lt1"/>
+          </a:fontRef>
+        </p:style>
+        <p:txBody>
+          <a:bodyPr wrap="square" anchor="ctr">
+            <a:noAutofit/>
+          </a:bodyPr>
+          <a:lstStyle/>
+          <a:p>
+            <a:pPr algn="ctr"/>
+            <a:r>
+              <a:rPr lang="en-US" sz="1400" dirty="0"/>
+              <a:t>2. Command</a:t>
+            </a:r>
+          </a:p>
+        </p:txBody>
+      </p:sp>
+      <p:sp>
+        <p:nvSpPr>
+          <p:cNvPr id="29" name="TextBox 28">
+            <a:extLst>
+              <a:ext uri="{FF2B5EF4-FFF2-40B4-BE49-F238E27FC236}">
+                <a16:creationId xmlns:a16="http://schemas.microsoft.com/office/drawing/2014/main" id="{CE8B56B5-DEF0-73C6-1D0C-0B9D7D19746B}"/>
+              </a:ext>
+            </a:extLst>
+          </p:cNvPr>
+          <p:cNvSpPr txBox="1"/>
+          <p:nvPr/>
+        </p:nvSpPr>
+        <p:spPr>
+          <a:xfrm>
+            <a:off x="10267262" y="2943400"/>
+            <a:ext cx="1080000" cy="307777"/>
+          </a:xfrm>
+          <a:prstGeom prst="rect">
+            <a:avLst/>
+          </a:prstGeom>
+        </p:spPr>
+        <p:style>
+          <a:lnRef idx="3">
+            <a:schemeClr val="lt1"/>
+          </a:lnRef>
+          <a:fillRef idx="1">
+            <a:schemeClr val="accent4"/>
+          </a:fillRef>
+          <a:effectRef idx="1">
+            <a:schemeClr val="accent4"/>
+          </a:effectRef>
+          <a:fontRef idx="minor">
+            <a:schemeClr val="lt1"/>
+          </a:fontRef>
+        </p:style>
+        <p:txBody>
+          <a:bodyPr wrap="square" anchor="ctr">
+            <a:noAutofit/>
+          </a:bodyPr>
+          <a:lstStyle/>
+          <a:p>
+            <a:pPr algn="ctr"/>
+            <a:r>
+              <a:rPr lang="en-US" sz="1400" dirty="0"/>
+              <a:t>4. Event</a:t>
+            </a:r>
+          </a:p>
+        </p:txBody>
+      </p:sp>
+      <p:cxnSp>
+        <p:nvCxnSpPr>
+          <p:cNvPr id="32" name="Straight Arrow Connector 31">
+            <a:extLst>
+              <a:ext uri="{FF2B5EF4-FFF2-40B4-BE49-F238E27FC236}">
+                <a16:creationId xmlns:a16="http://schemas.microsoft.com/office/drawing/2014/main" id="{1C7A63C8-0805-3D87-4BB6-DEF9C590B8FA}"/>
+              </a:ext>
+            </a:extLst>
+          </p:cNvPr>
+          <p:cNvCxnSpPr>
+            <a:cxnSpLocks/>
+            <a:stCxn id="27" idx="3"/>
+            <a:endCxn id="29" idx="2"/>
+          </p:cNvCxnSpPr>
+          <p:nvPr/>
+        </p:nvCxnSpPr>
+        <p:spPr>
+          <a:xfrm flipV="1">
+            <a:off x="10098517" y="3251177"/>
+            <a:ext cx="708745" cy="588800"/>
+          </a:xfrm>
+          <a:prstGeom prst="bentConnector2">
+            <a:avLst/>
+          </a:prstGeom>
+          <a:ln>
+            <a:tailEnd type="triangle"/>
+          </a:ln>
+        </p:spPr>
+        <p:style>
+          <a:lnRef idx="2">
+            <a:schemeClr val="accent1"/>
+          </a:lnRef>
+          <a:fillRef idx="0">
+            <a:schemeClr val="accent1"/>
+          </a:fillRef>
+          <a:effectRef idx="1">
+            <a:schemeClr val="accent1"/>
+          </a:effectRef>
+          <a:fontRef idx="minor">
+            <a:schemeClr val="tx1"/>
+          </a:fontRef>
+        </p:style>
+      </p:cxnSp>
+      <p:cxnSp>
+        <p:nvCxnSpPr>
+          <p:cNvPr id="33" name="Straight Arrow Connector 32">
+            <a:extLst>
+              <a:ext uri="{FF2B5EF4-FFF2-40B4-BE49-F238E27FC236}">
+                <a16:creationId xmlns:a16="http://schemas.microsoft.com/office/drawing/2014/main" id="{8CDE0C9D-9253-F3A2-DFED-173EB540CAE3}"/>
+              </a:ext>
+            </a:extLst>
+          </p:cNvPr>
+          <p:cNvCxnSpPr>
+            <a:cxnSpLocks/>
+            <a:stCxn id="24" idx="2"/>
+            <a:endCxn id="27" idx="0"/>
+          </p:cNvCxnSpPr>
+          <p:nvPr/>
+        </p:nvCxnSpPr>
+        <p:spPr>
+          <a:xfrm>
+            <a:off x="9558517" y="3305495"/>
+            <a:ext cx="0" cy="380593"/>
+          </a:xfrm>
+          <a:prstGeom prst="straightConnector1">
+            <a:avLst/>
+          </a:prstGeom>
+          <a:ln>
+            <a:tailEnd type="triangle"/>
+          </a:ln>
+        </p:spPr>
+        <p:style>
+          <a:lnRef idx="2">
+            <a:schemeClr val="accent1"/>
+          </a:lnRef>
+          <a:fillRef idx="0">
+            <a:schemeClr val="accent1"/>
+          </a:fillRef>
+          <a:effectRef idx="1">
+            <a:schemeClr val="accent1"/>
+          </a:effectRef>
+          <a:fontRef idx="minor">
+            <a:schemeClr val="tx1"/>
+          </a:fontRef>
+        </p:style>
+      </p:cxnSp>
+      <p:cxnSp>
+        <p:nvCxnSpPr>
+          <p:cNvPr id="34" name="Straight Arrow Connector 33">
+            <a:extLst>
+              <a:ext uri="{FF2B5EF4-FFF2-40B4-BE49-F238E27FC236}">
+                <a16:creationId xmlns:a16="http://schemas.microsoft.com/office/drawing/2014/main" id="{D9123885-835C-7C94-8D32-70C8A6449CCC}"/>
+              </a:ext>
+            </a:extLst>
+          </p:cNvPr>
+          <p:cNvCxnSpPr>
+            <a:cxnSpLocks/>
+            <a:stCxn id="23" idx="3"/>
+            <a:endCxn id="24" idx="0"/>
+          </p:cNvCxnSpPr>
+          <p:nvPr/>
+        </p:nvCxnSpPr>
+        <p:spPr>
+          <a:xfrm>
+            <a:off x="9262012" y="1415611"/>
+            <a:ext cx="296505" cy="894555"/>
+          </a:xfrm>
+          <a:prstGeom prst="bentConnector2">
+            <a:avLst/>
+          </a:prstGeom>
+          <a:ln>
+            <a:tailEnd type="triangle"/>
+          </a:ln>
+        </p:spPr>
+        <p:style>
+          <a:lnRef idx="2">
+            <a:schemeClr val="accent1"/>
+          </a:lnRef>
+          <a:fillRef idx="0">
+            <a:schemeClr val="accent1"/>
+          </a:fillRef>
+          <a:effectRef idx="1">
+            <a:schemeClr val="accent1"/>
+          </a:effectRef>
+          <a:fontRef idx="minor">
+            <a:schemeClr val="tx1"/>
+          </a:fontRef>
+        </p:style>
+      </p:cxnSp>
+      <p:sp>
+        <p:nvSpPr>
+          <p:cNvPr id="51" name="TextBox 50">
+            <a:extLst>
+              <a:ext uri="{FF2B5EF4-FFF2-40B4-BE49-F238E27FC236}">
+                <a16:creationId xmlns:a16="http://schemas.microsoft.com/office/drawing/2014/main" id="{647F70DE-BEA2-4DB9-81FA-854F7936802B}"/>
+              </a:ext>
+            </a:extLst>
+          </p:cNvPr>
+          <p:cNvSpPr txBox="1"/>
+          <p:nvPr/>
+        </p:nvSpPr>
+        <p:spPr>
+          <a:xfrm>
+            <a:off x="10267262" y="1261722"/>
+            <a:ext cx="1080000" cy="307777"/>
+          </a:xfrm>
+          <a:prstGeom prst="rect">
+            <a:avLst/>
+          </a:prstGeom>
+          <a:solidFill>
+            <a:schemeClr val="dk1">
+              <a:alpha val="50000"/>
+            </a:schemeClr>
+          </a:solidFill>
+          <a:ln>
+            <a:noFill/>
+          </a:ln>
+        </p:spPr>
+        <p:style>
+          <a:lnRef idx="0">
+            <a:scrgbClr r="0" g="0" b="0"/>
+          </a:lnRef>
+          <a:fillRef idx="0">
+            <a:scrgbClr r="0" g="0" b="0"/>
+          </a:fillRef>
+          <a:effectRef idx="0">
+            <a:scrgbClr r="0" g="0" b="0"/>
+          </a:effectRef>
+          <a:fontRef idx="minor">
+            <a:schemeClr val="lt1"/>
+          </a:fontRef>
+        </p:style>
+        <p:txBody>
+          <a:bodyPr wrap="square" anchor="ctr">
+            <a:noAutofit/>
+          </a:bodyPr>
+          <a:lstStyle/>
+          <a:p>
+            <a:pPr algn="ctr"/>
+            <a:r>
+              <a:rPr lang="en-US" sz="1400" dirty="0"/>
+              <a:t>5. Message</a:t>
+            </a:r>
+          </a:p>
+        </p:txBody>
+      </p:sp>
+      <p:cxnSp>
+        <p:nvCxnSpPr>
+          <p:cNvPr id="53" name="Straight Arrow Connector 31">
+            <a:extLst>
+              <a:ext uri="{FF2B5EF4-FFF2-40B4-BE49-F238E27FC236}">
+                <a16:creationId xmlns:a16="http://schemas.microsoft.com/office/drawing/2014/main" id="{18305572-3B70-D292-4815-B8D2C74BCF0F}"/>
+              </a:ext>
+            </a:extLst>
+          </p:cNvPr>
+          <p:cNvCxnSpPr>
+            <a:cxnSpLocks/>
+            <a:stCxn id="29" idx="0"/>
+            <a:endCxn id="51" idx="2"/>
+          </p:cNvCxnSpPr>
+          <p:nvPr/>
+        </p:nvCxnSpPr>
+        <p:spPr>
+          <a:xfrm flipV="1">
+            <a:off x="10807262" y="1569499"/>
+            <a:ext cx="0" cy="1373901"/>
+          </a:xfrm>
+          <a:prstGeom prst="straightConnector1">
+            <a:avLst/>
+          </a:prstGeom>
+          <a:ln>
+            <a:tailEnd type="triangle"/>
+          </a:ln>
+        </p:spPr>
+        <p:style>
+          <a:lnRef idx="2">
+            <a:schemeClr val="accent1"/>
+          </a:lnRef>
+          <a:fillRef idx="0">
+            <a:schemeClr val="accent1"/>
+          </a:fillRef>
+          <a:effectRef idx="1">
+            <a:schemeClr val="accent1"/>
+          </a:effectRef>
+          <a:fontRef idx="minor">
+            <a:schemeClr val="tx1"/>
+          </a:fontRef>
+        </p:style>
+      </p:cxnSp>
+    </p:spTree>
+    <p:extLst>
+      <p:ext uri="{BB962C8B-B14F-4D97-AF65-F5344CB8AC3E}">
+        <p14:creationId xmlns:p14="http://schemas.microsoft.com/office/powerpoint/2010/main" val="1042700050"/>
+      </p:ext>
+    </p:extLst>
+  </p:cSld>
+  <p:clrMapOvr>
+    <a:masterClrMapping/>
+  </p:clrMapOvr>
+</p:sld>
+</file>
+
+<file path=ppt/slides/slide2.xml><?xml version="1.0" encoding="utf-8"?>
+<p:sld xmlns:a="http://schemas.openxmlformats.org/drawingml/2006/main" xmlns:r="http://schemas.openxmlformats.org/officeDocument/2006/relationships" xmlns:p="http://schemas.openxmlformats.org/presentationml/2006/main">
+  <p:cSld>
+    <p:spTree>
+      <p:nvGrpSpPr>
+        <p:cNvPr id="1" name="">
+          <a:extLst>
+            <a:ext uri="{FF2B5EF4-FFF2-40B4-BE49-F238E27FC236}">
               <a16:creationId xmlns:a16="http://schemas.microsoft.com/office/drawing/2014/main" id="{441B71ED-0142-F457-EFB3-B61D5805830C}"/>
             </a:ext>
           </a:extLst>
@@ -4735,6 +5540,62 @@
           </a:p>
         </p:txBody>
       </p:sp>
+      <p:sp>
+        <p:nvSpPr>
+          <p:cNvPr id="3" name="TextBox 2">
+            <a:extLst>
+              <a:ext uri="{FF2B5EF4-FFF2-40B4-BE49-F238E27FC236}">
+                <a16:creationId xmlns:a16="http://schemas.microsoft.com/office/drawing/2014/main" id="{F8F9C762-FBCA-D1A7-5D31-5AFD70B5A70D}"/>
+              </a:ext>
+            </a:extLst>
+          </p:cNvPr>
+          <p:cNvSpPr txBox="1"/>
+          <p:nvPr/>
+        </p:nvSpPr>
+        <p:spPr>
+          <a:xfrm>
+            <a:off x="352067" y="769335"/>
+            <a:ext cx="1080000" cy="307777"/>
+          </a:xfrm>
+          <a:prstGeom prst="rect">
+            <a:avLst/>
+          </a:prstGeom>
+          <a:solidFill>
+            <a:schemeClr val="dk1">
+              <a:alpha val="50000"/>
+            </a:schemeClr>
+          </a:solidFill>
+          <a:ln>
+            <a:noFill/>
+          </a:ln>
+        </p:spPr>
+        <p:style>
+          <a:lnRef idx="0">
+            <a:scrgbClr r="0" g="0" b="0"/>
+          </a:lnRef>
+          <a:fillRef idx="0">
+            <a:scrgbClr r="0" g="0" b="0"/>
+          </a:fillRef>
+          <a:effectRef idx="0">
+            <a:scrgbClr r="0" g="0" b="0"/>
+          </a:effectRef>
+          <a:fontRef idx="minor">
+            <a:schemeClr val="lt1"/>
+          </a:fontRef>
+        </p:style>
+        <p:txBody>
+          <a:bodyPr wrap="square">
+            <a:spAutoFit/>
+          </a:bodyPr>
+          <a:lstStyle/>
+          <a:p>
+            <a:r>
+              <a:rPr lang="en-US" sz="1400" dirty="0"/>
+              <a:t>Button</a:t>
+            </a:r>
+          </a:p>
+        </p:txBody>
+      </p:sp>
     </p:spTree>
     <p:extLst>
       <p:ext uri="{BB962C8B-B14F-4D97-AF65-F5344CB8AC3E}">
@@ -4748,7 +5609,7 @@
 </p:sld>
 </file>
 
-<file path=ppt/slides/slide2.xml><?xml version="1.0" encoding="utf-8"?>
+<file path=ppt/slides/slide3.xml><?xml version="1.0" encoding="utf-8"?>
 <p:sld xmlns:a="http://schemas.openxmlformats.org/drawingml/2006/main" xmlns:r="http://schemas.openxmlformats.org/officeDocument/2006/relationships" xmlns:p="http://schemas.openxmlformats.org/presentationml/2006/main">
   <p:cSld>
     <p:spTree>
@@ -6963,7 +7824,7 @@
 </p:sld>
 </file>
 
-<file path=ppt/slides/slide3.xml><?xml version="1.0" encoding="utf-8"?>
+<file path=ppt/slides/slide4.xml><?xml version="1.0" encoding="utf-8"?>
 <p:sld xmlns:a="http://schemas.openxmlformats.org/drawingml/2006/main" xmlns:r="http://schemas.openxmlformats.org/officeDocument/2006/relationships" xmlns:p="http://schemas.openxmlformats.org/presentationml/2006/main">
   <p:cSld>
     <p:spTree>
